--- a/projects/kog.040.040-transformation-effects/aitcg340 - Procedural Solid Texturing.pptx
+++ b/projects/kog.040.040-transformation-effects/aitcg340 - Procedural Solid Texturing.pptx
@@ -5,7 +5,7 @@
     <p:sldMasterId id="2147483648" r:id="rId1"/>
   </p:sldMasterIdLst>
   <p:notesMasterIdLst>
-    <p:notesMasterId r:id="rId10"/>
+    <p:notesMasterId r:id="rId13"/>
   </p:notesMasterIdLst>
   <p:sldIdLst>
     <p:sldId id="437" r:id="rId2"/>
@@ -16,6 +16,9 @@
     <p:sldId id="442" r:id="rId7"/>
     <p:sldId id="443" r:id="rId8"/>
     <p:sldId id="444" r:id="rId9"/>
+    <p:sldId id="446" r:id="rId10"/>
+    <p:sldId id="447" r:id="rId11"/>
+    <p:sldId id="445" r:id="rId12"/>
   </p:sldIdLst>
   <p:sldSz cx="12192000" cy="6858000"/>
   <p:notesSz cx="6858000" cy="9144000"/>
@@ -204,7 +207,7 @@
           <a:p>
             <a:fld id="{5B0DAFD6-FAC2-42B7-869F-67A360C20BEA}" type="datetimeFigureOut">
               <a:rPr lang="en-US" smtClean="0"/>
-              <a:t>11/12/2019</a:t>
+              <a:t>4/25/2022</a:t>
             </a:fld>
             <a:endParaRPr lang="en-US"/>
           </a:p>
@@ -605,7 +608,7 @@
           <a:p>
             <a:fld id="{338A3FAA-9C6C-4F9E-8590-40D8D97A52B8}" type="datetimeFigureOut">
               <a:rPr lang="en-US" smtClean="0"/>
-              <a:t>11/12/2019</a:t>
+              <a:t>4/25/2022</a:t>
             </a:fld>
             <a:endParaRPr lang="en-US"/>
           </a:p>
@@ -775,7 +778,7 @@
           <a:p>
             <a:fld id="{338A3FAA-9C6C-4F9E-8590-40D8D97A52B8}" type="datetimeFigureOut">
               <a:rPr lang="en-US" smtClean="0"/>
-              <a:t>11/12/2019</a:t>
+              <a:t>4/25/2022</a:t>
             </a:fld>
             <a:endParaRPr lang="en-US"/>
           </a:p>
@@ -955,7 +958,7 @@
           <a:p>
             <a:fld id="{338A3FAA-9C6C-4F9E-8590-40D8D97A52B8}" type="datetimeFigureOut">
               <a:rPr lang="en-US" smtClean="0"/>
-              <a:t>11/12/2019</a:t>
+              <a:t>4/25/2022</a:t>
             </a:fld>
             <a:endParaRPr lang="en-US"/>
           </a:p>
@@ -1125,7 +1128,7 @@
           <a:p>
             <a:fld id="{338A3FAA-9C6C-4F9E-8590-40D8D97A52B8}" type="datetimeFigureOut">
               <a:rPr lang="en-US" smtClean="0"/>
-              <a:t>11/12/2019</a:t>
+              <a:t>4/25/2022</a:t>
             </a:fld>
             <a:endParaRPr lang="en-US"/>
           </a:p>
@@ -1371,7 +1374,7 @@
           <a:p>
             <a:fld id="{338A3FAA-9C6C-4F9E-8590-40D8D97A52B8}" type="datetimeFigureOut">
               <a:rPr lang="en-US" smtClean="0"/>
-              <a:t>11/12/2019</a:t>
+              <a:t>4/25/2022</a:t>
             </a:fld>
             <a:endParaRPr lang="en-US"/>
           </a:p>
@@ -1603,7 +1606,7 @@
           <a:p>
             <a:fld id="{338A3FAA-9C6C-4F9E-8590-40D8D97A52B8}" type="datetimeFigureOut">
               <a:rPr lang="en-US" smtClean="0"/>
-              <a:t>11/12/2019</a:t>
+              <a:t>4/25/2022</a:t>
             </a:fld>
             <a:endParaRPr lang="en-US"/>
           </a:p>
@@ -1970,7 +1973,7 @@
           <a:p>
             <a:fld id="{338A3FAA-9C6C-4F9E-8590-40D8D97A52B8}" type="datetimeFigureOut">
               <a:rPr lang="en-US" smtClean="0"/>
-              <a:t>11/12/2019</a:t>
+              <a:t>4/25/2022</a:t>
             </a:fld>
             <a:endParaRPr lang="en-US"/>
           </a:p>
@@ -2088,7 +2091,7 @@
           <a:p>
             <a:fld id="{338A3FAA-9C6C-4F9E-8590-40D8D97A52B8}" type="datetimeFigureOut">
               <a:rPr lang="en-US" smtClean="0"/>
-              <a:t>11/12/2019</a:t>
+              <a:t>4/25/2022</a:t>
             </a:fld>
             <a:endParaRPr lang="en-US"/>
           </a:p>
@@ -2183,7 +2186,7 @@
           <a:p>
             <a:fld id="{338A3FAA-9C6C-4F9E-8590-40D8D97A52B8}" type="datetimeFigureOut">
               <a:rPr lang="en-US" smtClean="0"/>
-              <a:t>11/12/2019</a:t>
+              <a:t>4/25/2022</a:t>
             </a:fld>
             <a:endParaRPr lang="en-US"/>
           </a:p>
@@ -2460,7 +2463,7 @@
           <a:p>
             <a:fld id="{338A3FAA-9C6C-4F9E-8590-40D8D97A52B8}" type="datetimeFigureOut">
               <a:rPr lang="en-US" smtClean="0"/>
-              <a:t>11/12/2019</a:t>
+              <a:t>4/25/2022</a:t>
             </a:fld>
             <a:endParaRPr lang="en-US"/>
           </a:p>
@@ -2713,7 +2716,7 @@
           <a:p>
             <a:fld id="{338A3FAA-9C6C-4F9E-8590-40D8D97A52B8}" type="datetimeFigureOut">
               <a:rPr lang="en-US" smtClean="0"/>
-              <a:t>11/12/2019</a:t>
+              <a:t>4/25/2022</a:t>
             </a:fld>
             <a:endParaRPr lang="en-US"/>
           </a:p>
@@ -2926,7 +2929,7 @@
           <a:p>
             <a:fld id="{338A3FAA-9C6C-4F9E-8590-40D8D97A52B8}" type="datetimeFigureOut">
               <a:rPr lang="en-US" smtClean="0"/>
-              <a:t>11/12/2019</a:t>
+              <a:t>4/25/2022</a:t>
             </a:fld>
             <a:endParaRPr lang="en-US"/>
           </a:p>
@@ -3428,6 +3431,3419 @@
 </p:sld>
 </file>
 
+<file path=ppt/slides/slide10.xml><?xml version="1.0" encoding="utf-8"?>
+<p:sld xmlns:a="http://schemas.openxmlformats.org/drawingml/2006/main" xmlns:r="http://schemas.openxmlformats.org/officeDocument/2006/relationships" xmlns:p="http://schemas.openxmlformats.org/presentationml/2006/main">
+  <p:cSld>
+    <p:spTree>
+      <p:nvGrpSpPr>
+        <p:cNvPr id="1" name=""/>
+        <p:cNvGrpSpPr/>
+        <p:nvPr/>
+      </p:nvGrpSpPr>
+      <p:grpSpPr>
+        <a:xfrm>
+          <a:off x="0" y="0"/>
+          <a:ext cx="0" cy="0"/>
+          <a:chOff x="0" y="0"/>
+          <a:chExt cx="0" cy="0"/>
+        </a:xfrm>
+      </p:grpSpPr>
+      <p:sp>
+        <p:nvSpPr>
+          <p:cNvPr id="3" name="Title 2"/>
+          <p:cNvSpPr>
+            <a:spLocks noGrp="1"/>
+          </p:cNvSpPr>
+          <p:nvPr>
+            <p:ph type="title"/>
+          </p:nvPr>
+        </p:nvSpPr>
+        <p:spPr/>
+        <p:txBody>
+          <a:bodyPr/>
+          <a:lstStyle/>
+          <a:p>
+            <a:r>
+              <a:rPr lang="hu-HU" dirty="0"/>
+              <a:t>Procedural normal mapping</a:t>
+            </a:r>
+            <a:endParaRPr lang="en-US" dirty="0"/>
+          </a:p>
+        </p:txBody>
+      </p:sp>
+      <p:sp>
+        <p:nvSpPr>
+          <p:cNvPr id="4" name="Content Placeholder 3"/>
+          <p:cNvSpPr>
+            <a:spLocks noGrp="1"/>
+          </p:cNvSpPr>
+          <p:nvPr>
+            <p:ph idx="1"/>
+          </p:nvPr>
+        </p:nvSpPr>
+        <p:spPr>
+          <a:xfrm>
+            <a:off x="838200" y="1825625"/>
+            <a:ext cx="10916920" cy="4351338"/>
+          </a:xfrm>
+        </p:spPr>
+        <p:txBody>
+          <a:bodyPr>
+            <a:noAutofit/>
+          </a:bodyPr>
+          <a:lstStyle/>
+          <a:p>
+            <a:r>
+              <a:rPr lang="hu-HU" dirty="0"/>
+              <a:t>surface equation</a:t>
+            </a:r>
+            <a:endParaRPr lang="en-US" dirty="0"/>
+          </a:p>
+          <a:p>
+            <a:r>
+              <a:rPr lang="en-US" dirty="0"/>
+              <a:t>surface normal formula</a:t>
+            </a:r>
+          </a:p>
+          <a:p>
+            <a:endParaRPr lang="en-US" dirty="0"/>
+          </a:p>
+          <a:p>
+            <a:r>
+              <a:rPr lang="en-US" dirty="0"/>
+              <a:t>noise function</a:t>
+            </a:r>
+          </a:p>
+          <a:p>
+            <a:r>
+              <a:rPr lang="en-US" dirty="0"/>
+              <a:t>perturbed surface equation</a:t>
+            </a:r>
+          </a:p>
+          <a:p>
+            <a:pPr marL="0" indent="0">
+              <a:buNone/>
+            </a:pPr>
+            <a:endParaRPr lang="en-US" dirty="0"/>
+          </a:p>
+          <a:p>
+            <a:r>
+              <a:rPr lang="en-US" dirty="0"/>
+              <a:t>thus: </a:t>
+            </a:r>
+            <a:r>
+              <a:rPr lang="en-US" dirty="0">
+                <a:solidFill>
+                  <a:srgbClr val="FF0000"/>
+                </a:solidFill>
+              </a:rPr>
+              <a:t>just add gradient-of-noise, evaluated at </a:t>
+            </a:r>
+            <a:r>
+              <a:rPr lang="en-US" dirty="0" err="1">
+                <a:solidFill>
+                  <a:srgbClr val="FF0000"/>
+                </a:solidFill>
+                <a:latin typeface="Consolas" panose="020B0609020204030204" pitchFamily="49" charset="0"/>
+              </a:rPr>
+              <a:t>worldPosition.xyz</a:t>
+            </a:r>
+            <a:r>
+              <a:rPr lang="en-US" dirty="0">
+                <a:solidFill>
+                  <a:srgbClr val="FF0000"/>
+                </a:solidFill>
+              </a:rPr>
+              <a:t>, to original normal, then normalize</a:t>
+            </a:r>
+          </a:p>
+          <a:p>
+            <a:pPr lvl="1"/>
+            <a:r>
+              <a:rPr lang="en-US" dirty="0">
+                <a:solidFill>
+                  <a:srgbClr val="FF0000"/>
+                </a:solidFill>
+              </a:rPr>
+              <a:t>multiply noise gradient function input and output with appropriate factors to tune</a:t>
+            </a:r>
+          </a:p>
+        </p:txBody>
+      </p:sp>
+      <p:pic>
+        <p:nvPicPr>
+          <p:cNvPr id="6" name="Picture 5"/>
+          <p:cNvPicPr>
+            <a:picLocks noChangeAspect="1"/>
+          </p:cNvPicPr>
+          <p:nvPr>
+            <p:custDataLst>
+              <p:tags r:id="rId1"/>
+            </p:custDataLst>
+          </p:nvPr>
+        </p:nvPicPr>
+        <p:blipFill>
+          <a:blip r:embed="rId6" cstate="print">
+            <a:extLst>
+              <a:ext uri="{28A0092B-C50C-407E-A947-70E740481C1C}">
+                <a14:useLocalDpi xmlns:a14="http://schemas.microsoft.com/office/drawing/2010/main" val="0"/>
+              </a:ext>
+            </a:extLst>
+          </a:blip>
+          <a:stretch>
+            <a:fillRect/>
+          </a:stretch>
+        </p:blipFill>
+        <p:spPr>
+          <a:xfrm>
+            <a:off x="3859001" y="1825625"/>
+            <a:ext cx="1514379" cy="429195"/>
+          </a:xfrm>
+          <a:prstGeom prst="rect">
+            <a:avLst/>
+          </a:prstGeom>
+        </p:spPr>
+      </p:pic>
+      <p:pic>
+        <p:nvPicPr>
+          <p:cNvPr id="11" name="Picture 10"/>
+          <p:cNvPicPr>
+            <a:picLocks noChangeAspect="1"/>
+          </p:cNvPicPr>
+          <p:nvPr>
+            <p:custDataLst>
+              <p:tags r:id="rId2"/>
+            </p:custDataLst>
+          </p:nvPr>
+        </p:nvPicPr>
+        <p:blipFill>
+          <a:blip r:embed="rId7" cstate="print">
+            <a:extLst>
+              <a:ext uri="{28A0092B-C50C-407E-A947-70E740481C1C}">
+                <a14:useLocalDpi xmlns:a14="http://schemas.microsoft.com/office/drawing/2010/main" val="0"/>
+              </a:ext>
+            </a:extLst>
+          </a:blip>
+          <a:stretch>
+            <a:fillRect/>
+          </a:stretch>
+        </p:blipFill>
+        <p:spPr>
+          <a:xfrm>
+            <a:off x="3458084" y="3351631"/>
+            <a:ext cx="668180" cy="421879"/>
+          </a:xfrm>
+          <a:prstGeom prst="rect">
+            <a:avLst/>
+          </a:prstGeom>
+        </p:spPr>
+      </p:pic>
+      <p:pic>
+        <p:nvPicPr>
+          <p:cNvPr id="16" name="Picture 15"/>
+          <p:cNvPicPr>
+            <a:picLocks noChangeAspect="1"/>
+          </p:cNvPicPr>
+          <p:nvPr>
+            <p:custDataLst>
+              <p:tags r:id="rId3"/>
+            </p:custDataLst>
+          </p:nvPr>
+        </p:nvPicPr>
+        <p:blipFill>
+          <a:blip r:embed="rId8" cstate="print">
+            <a:extLst>
+              <a:ext uri="{28A0092B-C50C-407E-A947-70E740481C1C}">
+                <a14:useLocalDpi xmlns:a14="http://schemas.microsoft.com/office/drawing/2010/main" val="0"/>
+              </a:ext>
+            </a:extLst>
+          </a:blip>
+          <a:stretch>
+            <a:fillRect/>
+          </a:stretch>
+        </p:blipFill>
+        <p:spPr>
+          <a:xfrm>
+            <a:off x="5373381" y="2389757"/>
+            <a:ext cx="2353261" cy="499915"/>
+          </a:xfrm>
+          <a:prstGeom prst="rect">
+            <a:avLst/>
+          </a:prstGeom>
+        </p:spPr>
+      </p:pic>
+      <p:pic>
+        <p:nvPicPr>
+          <p:cNvPr id="20" name="Picture 19"/>
+          <p:cNvPicPr>
+            <a:picLocks noChangeAspect="1"/>
+          </p:cNvPicPr>
+          <p:nvPr>
+            <p:custDataLst>
+              <p:tags r:id="rId4"/>
+            </p:custDataLst>
+          </p:nvPr>
+        </p:nvPicPr>
+        <p:blipFill>
+          <a:blip r:embed="rId9" cstate="print">
+            <a:extLst>
+              <a:ext uri="{28A0092B-C50C-407E-A947-70E740481C1C}">
+                <a14:useLocalDpi xmlns:a14="http://schemas.microsoft.com/office/drawing/2010/main" val="0"/>
+              </a:ext>
+            </a:extLst>
+          </a:blip>
+          <a:stretch>
+            <a:fillRect/>
+          </a:stretch>
+        </p:blipFill>
+        <p:spPr>
+          <a:xfrm>
+            <a:off x="1527259" y="4254096"/>
+            <a:ext cx="9137481" cy="558442"/>
+          </a:xfrm>
+          <a:prstGeom prst="rect">
+            <a:avLst/>
+          </a:prstGeom>
+        </p:spPr>
+      </p:pic>
+      <p:sp>
+        <p:nvSpPr>
+          <p:cNvPr id="9" name="TextBox 8"/>
+          <p:cNvSpPr txBox="1"/>
+          <p:nvPr/>
+        </p:nvSpPr>
+        <p:spPr>
+          <a:xfrm>
+            <a:off x="0" y="-465136"/>
+            <a:ext cx="520118" cy="3170099"/>
+          </a:xfrm>
+          <a:prstGeom prst="rect">
+            <a:avLst/>
+          </a:prstGeom>
+          <a:noFill/>
+        </p:spPr>
+        <p:txBody>
+          <a:bodyPr wrap="square" rtlCol="0">
+            <a:spAutoFit/>
+          </a:bodyPr>
+          <a:lstStyle/>
+          <a:p>
+            <a:r>
+              <a:rPr lang="en-US" sz="20000" dirty="0">
+                <a:solidFill>
+                  <a:srgbClr val="0000FF"/>
+                </a:solidFill>
+                <a:latin typeface="Whipsmart" panose="020B0502030203050204" pitchFamily="34" charset="0"/>
+              </a:rPr>
+              <a:t>!</a:t>
+            </a:r>
+          </a:p>
+        </p:txBody>
+      </p:sp>
+    </p:spTree>
+    <p:extLst>
+      <p:ext uri="{BB962C8B-B14F-4D97-AF65-F5344CB8AC3E}">
+        <p14:creationId xmlns:p14="http://schemas.microsoft.com/office/powerpoint/2010/main" val="3704773573"/>
+      </p:ext>
+    </p:extLst>
+  </p:cSld>
+  <p:clrMapOvr>
+    <a:masterClrMapping/>
+  </p:clrMapOvr>
+  <p:timing>
+    <p:tnLst>
+      <p:par>
+        <p:cTn id="1" dur="indefinite" restart="never" nodeType="tmRoot"/>
+      </p:par>
+    </p:tnLst>
+  </p:timing>
+</p:sld>
+</file>
+
+<file path=ppt/slides/slide11.xml><?xml version="1.0" encoding="utf-8"?>
+<p:sld xmlns:a="http://schemas.openxmlformats.org/drawingml/2006/main" xmlns:r="http://schemas.openxmlformats.org/officeDocument/2006/relationships" xmlns:p="http://schemas.openxmlformats.org/presentationml/2006/main">
+  <p:cSld>
+    <p:spTree>
+      <p:nvGrpSpPr>
+        <p:cNvPr id="1" name=""/>
+        <p:cNvGrpSpPr/>
+        <p:nvPr/>
+      </p:nvGrpSpPr>
+      <p:grpSpPr>
+        <a:xfrm>
+          <a:off x="0" y="0"/>
+          <a:ext cx="0" cy="0"/>
+          <a:chOff x="0" y="0"/>
+          <a:chExt cx="0" cy="0"/>
+        </a:xfrm>
+      </p:grpSpPr>
+      <p:sp>
+        <p:nvSpPr>
+          <p:cNvPr id="2" name="Title 1"/>
+          <p:cNvSpPr>
+            <a:spLocks noGrp="1"/>
+          </p:cNvSpPr>
+          <p:nvPr>
+            <p:ph type="title"/>
+          </p:nvPr>
+        </p:nvSpPr>
+        <p:spPr/>
+        <p:txBody>
+          <a:bodyPr/>
+          <a:lstStyle/>
+          <a:p>
+            <a:r>
+              <a:rPr lang="hu-HU" dirty="0" smtClean="0"/>
+              <a:t>Simple noise function and its gradient</a:t>
+            </a:r>
+            <a:endParaRPr lang="en-US" dirty="0"/>
+          </a:p>
+        </p:txBody>
+      </p:sp>
+      <p:sp>
+        <p:nvSpPr>
+          <p:cNvPr id="4" name="Téglalap 4"/>
+          <p:cNvSpPr/>
+          <p:nvPr/>
+        </p:nvSpPr>
+        <p:spPr>
+          <a:xfrm>
+            <a:off x="6162676" y="1762126"/>
+            <a:ext cx="4505324" cy="5095875"/>
+          </a:xfrm>
+          <a:prstGeom prst="rect">
+            <a:avLst/>
+          </a:prstGeom>
+          <a:solidFill>
+            <a:schemeClr val="accent2">
+              <a:lumMod val="20000"/>
+              <a:lumOff val="80000"/>
+            </a:schemeClr>
+          </a:solidFill>
+        </p:spPr>
+        <p:style>
+          <a:lnRef idx="2">
+            <a:schemeClr val="accent1">
+              <a:shade val="50000"/>
+            </a:schemeClr>
+          </a:lnRef>
+          <a:fillRef idx="1">
+            <a:schemeClr val="accent1"/>
+          </a:fillRef>
+          <a:effectRef idx="0">
+            <a:schemeClr val="accent1"/>
+          </a:effectRef>
+          <a:fontRef idx="minor">
+            <a:schemeClr val="lt1"/>
+          </a:fontRef>
+        </p:style>
+        <p:txBody>
+          <a:bodyPr rtlCol="0" anchor="ctr"/>
+          <a:lstStyle/>
+          <a:p>
+            <a:pPr>
+              <a:lnSpc>
+                <a:spcPct val="107000"/>
+              </a:lnSpc>
+              <a:tabLst>
+                <a:tab pos="581660" algn="l"/>
+                <a:tab pos="1163320" algn="l"/>
+                <a:tab pos="1744980" algn="l"/>
+                <a:tab pos="2326640" algn="l"/>
+                <a:tab pos="2908300" algn="l"/>
+                <a:tab pos="3489960" algn="l"/>
+                <a:tab pos="4071620" algn="l"/>
+                <a:tab pos="4653280" algn="l"/>
+                <a:tab pos="5234940" algn="l"/>
+                <a:tab pos="5816600" algn="l"/>
+                <a:tab pos="6398260" algn="l"/>
+                <a:tab pos="6979920" algn="l"/>
+                <a:tab pos="7561580" algn="l"/>
+                <a:tab pos="8143240" algn="l"/>
+                <a:tab pos="8724900" algn="l"/>
+                <a:tab pos="9306560" algn="l"/>
+              </a:tabLst>
+            </a:pPr>
+            <a:r>
+              <a:rPr lang="en-US" i="1" u="heavy" dirty="0">
+                <a:solidFill>
+                  <a:srgbClr val="34A7BD"/>
+                </a:solidFill>
+                <a:uFill>
+                  <a:solidFill>
+                    <a:srgbClr val="FF0000"/>
+                  </a:solidFill>
+                </a:uFill>
+                <a:latin typeface="Consolas" panose="020B0609020204030204" pitchFamily="49" charset="0"/>
+                <a:ea typeface="Times New Roman" panose="02020603050405020304" pitchFamily="18" charset="0"/>
+                <a:cs typeface="Consolas" panose="020B0609020204030204" pitchFamily="49" charset="0"/>
+              </a:rPr>
+              <a:t>vec3</a:t>
+            </a:r>
+            <a:r>
+              <a:rPr lang="en-US" i="1" dirty="0">
+                <a:solidFill>
+                  <a:srgbClr val="34A7BD"/>
+                </a:solidFill>
+                <a:latin typeface="Consolas" panose="020B0609020204030204" pitchFamily="49" charset="0"/>
+                <a:ea typeface="Times New Roman" panose="02020603050405020304" pitchFamily="18" charset="0"/>
+                <a:cs typeface="Consolas" panose="020B0609020204030204" pitchFamily="49" charset="0"/>
+              </a:rPr>
+              <a:t> </a:t>
+            </a:r>
+            <a:r>
+              <a:rPr lang="en-US" dirty="0" err="1">
+                <a:solidFill>
+                  <a:srgbClr val="427E00"/>
+                </a:solidFill>
+                <a:latin typeface="Consolas" panose="020B0609020204030204" pitchFamily="49" charset="0"/>
+                <a:ea typeface="Times New Roman" panose="02020603050405020304" pitchFamily="18" charset="0"/>
+                <a:cs typeface="Consolas" panose="020B0609020204030204" pitchFamily="49" charset="0"/>
+              </a:rPr>
+              <a:t>noiseGrad</a:t>
+            </a:r>
+            <a:r>
+              <a:rPr lang="en-US" dirty="0">
+                <a:solidFill>
+                  <a:srgbClr val="000000"/>
+                </a:solidFill>
+                <a:latin typeface="Consolas" panose="020B0609020204030204" pitchFamily="49" charset="0"/>
+                <a:ea typeface="Times New Roman" panose="02020603050405020304" pitchFamily="18" charset="0"/>
+                <a:cs typeface="Consolas" panose="020B0609020204030204" pitchFamily="49" charset="0"/>
+              </a:rPr>
+              <a:t>(</a:t>
+            </a:r>
+            <a:r>
+              <a:rPr lang="en-US" i="1" dirty="0">
+                <a:solidFill>
+                  <a:srgbClr val="34A7BD"/>
+                </a:solidFill>
+                <a:latin typeface="Consolas" panose="020B0609020204030204" pitchFamily="49" charset="0"/>
+                <a:ea typeface="Times New Roman" panose="02020603050405020304" pitchFamily="18" charset="0"/>
+                <a:cs typeface="Consolas" panose="020B0609020204030204" pitchFamily="49" charset="0"/>
+              </a:rPr>
+              <a:t>vec3 </a:t>
+            </a:r>
+            <a:r>
+              <a:rPr lang="en-US" i="1" dirty="0">
+                <a:solidFill>
+                  <a:srgbClr val="CB6500"/>
+                </a:solidFill>
+                <a:latin typeface="Consolas" panose="020B0609020204030204" pitchFamily="49" charset="0"/>
+                <a:ea typeface="Times New Roman" panose="02020603050405020304" pitchFamily="18" charset="0"/>
+                <a:cs typeface="Consolas" panose="020B0609020204030204" pitchFamily="49" charset="0"/>
+              </a:rPr>
+              <a:t>r</a:t>
+            </a:r>
+            <a:r>
+              <a:rPr lang="en-US" dirty="0">
+                <a:solidFill>
+                  <a:srgbClr val="000000"/>
+                </a:solidFill>
+                <a:latin typeface="Consolas" panose="020B0609020204030204" pitchFamily="49" charset="0"/>
+                <a:ea typeface="Times New Roman" panose="02020603050405020304" pitchFamily="18" charset="0"/>
+                <a:cs typeface="Consolas" panose="020B0609020204030204" pitchFamily="49" charset="0"/>
+              </a:rPr>
+              <a:t>) {</a:t>
+            </a:r>
+            <a:endParaRPr lang="en-US" dirty="0">
+              <a:latin typeface="Consolas" panose="020B0609020204030204" pitchFamily="49" charset="0"/>
+              <a:ea typeface="Calibri" panose="020F0502020204030204" pitchFamily="34" charset="0"/>
+              <a:cs typeface="Consolas" panose="020B0609020204030204" pitchFamily="49" charset="0"/>
+            </a:endParaRPr>
+          </a:p>
+          <a:p>
+            <a:pPr>
+              <a:lnSpc>
+                <a:spcPct val="107000"/>
+              </a:lnSpc>
+              <a:tabLst>
+                <a:tab pos="581660" algn="l"/>
+                <a:tab pos="1163320" algn="l"/>
+                <a:tab pos="1744980" algn="l"/>
+                <a:tab pos="2326640" algn="l"/>
+                <a:tab pos="2908300" algn="l"/>
+                <a:tab pos="3489960" algn="l"/>
+                <a:tab pos="4071620" algn="l"/>
+                <a:tab pos="4653280" algn="l"/>
+                <a:tab pos="5234940" algn="l"/>
+                <a:tab pos="5816600" algn="l"/>
+                <a:tab pos="6398260" algn="l"/>
+                <a:tab pos="6979920" algn="l"/>
+                <a:tab pos="7561580" algn="l"/>
+                <a:tab pos="8143240" algn="l"/>
+                <a:tab pos="8724900" algn="l"/>
+                <a:tab pos="9306560" algn="l"/>
+              </a:tabLst>
+            </a:pPr>
+            <a:r>
+              <a:rPr lang="en-US" dirty="0">
+                <a:solidFill>
+                  <a:srgbClr val="000000"/>
+                </a:solidFill>
+                <a:latin typeface="Consolas" panose="020B0609020204030204" pitchFamily="49" charset="0"/>
+                <a:ea typeface="Times New Roman" panose="02020603050405020304" pitchFamily="18" charset="0"/>
+                <a:cs typeface="Consolas" panose="020B0609020204030204" pitchFamily="49" charset="0"/>
+              </a:rPr>
+              <a:t>  </a:t>
+            </a:r>
+            <a:r>
+              <a:rPr lang="en-US" i="1" dirty="0">
+                <a:solidFill>
+                  <a:srgbClr val="34A7BD"/>
+                </a:solidFill>
+                <a:latin typeface="Consolas" panose="020B0609020204030204" pitchFamily="49" charset="0"/>
+                <a:ea typeface="Times New Roman" panose="02020603050405020304" pitchFamily="18" charset="0"/>
+                <a:cs typeface="Consolas" panose="020B0609020204030204" pitchFamily="49" charset="0"/>
+              </a:rPr>
+              <a:t>uvec3 </a:t>
+            </a:r>
+            <a:r>
+              <a:rPr lang="en-US" dirty="0">
+                <a:solidFill>
+                  <a:srgbClr val="000000"/>
+                </a:solidFill>
+                <a:latin typeface="Consolas" panose="020B0609020204030204" pitchFamily="49" charset="0"/>
+                <a:ea typeface="Times New Roman" panose="02020603050405020304" pitchFamily="18" charset="0"/>
+                <a:cs typeface="Consolas" panose="020B0609020204030204" pitchFamily="49" charset="0"/>
+              </a:rPr>
+              <a:t>s </a:t>
+            </a:r>
+            <a:r>
+              <a:rPr lang="en-US" dirty="0">
+                <a:solidFill>
+                  <a:srgbClr val="C70040"/>
+                </a:solidFill>
+                <a:latin typeface="Consolas" panose="020B0609020204030204" pitchFamily="49" charset="0"/>
+                <a:ea typeface="Times New Roman" panose="02020603050405020304" pitchFamily="18" charset="0"/>
+                <a:cs typeface="Consolas" panose="020B0609020204030204" pitchFamily="49" charset="0"/>
+              </a:rPr>
+              <a:t>=</a:t>
+            </a:r>
+            <a:r>
+              <a:rPr lang="en-US" dirty="0">
+                <a:latin typeface="Consolas" panose="020B0609020204030204" pitchFamily="49" charset="0"/>
+                <a:ea typeface="Times New Roman" panose="02020603050405020304" pitchFamily="18" charset="0"/>
+                <a:cs typeface="Consolas" panose="020B0609020204030204" pitchFamily="49" charset="0"/>
+              </a:rPr>
+              <a:t> </a:t>
+            </a:r>
+            <a:r>
+              <a:rPr lang="en-US" i="1" dirty="0">
+                <a:solidFill>
+                  <a:srgbClr val="34A7BD"/>
+                </a:solidFill>
+                <a:latin typeface="Consolas" panose="020B0609020204030204" pitchFamily="49" charset="0"/>
+                <a:ea typeface="Times New Roman" panose="02020603050405020304" pitchFamily="18" charset="0"/>
+                <a:cs typeface="Consolas" panose="020B0609020204030204" pitchFamily="49" charset="0"/>
+              </a:rPr>
+              <a:t>uvec3</a:t>
+            </a:r>
+            <a:r>
+              <a:rPr lang="en-US" dirty="0">
+                <a:solidFill>
+                  <a:srgbClr val="000000"/>
+                </a:solidFill>
+                <a:latin typeface="Consolas" panose="020B0609020204030204" pitchFamily="49" charset="0"/>
+                <a:ea typeface="Times New Roman" panose="02020603050405020304" pitchFamily="18" charset="0"/>
+                <a:cs typeface="Consolas" panose="020B0609020204030204" pitchFamily="49" charset="0"/>
+              </a:rPr>
+              <a:t>(</a:t>
+            </a:r>
+          </a:p>
+          <a:p>
+            <a:pPr>
+              <a:lnSpc>
+                <a:spcPct val="107000"/>
+              </a:lnSpc>
+              <a:tabLst>
+                <a:tab pos="581660" algn="l"/>
+                <a:tab pos="1163320" algn="l"/>
+                <a:tab pos="1744980" algn="l"/>
+                <a:tab pos="2326640" algn="l"/>
+                <a:tab pos="2908300" algn="l"/>
+                <a:tab pos="3489960" algn="l"/>
+                <a:tab pos="4071620" algn="l"/>
+                <a:tab pos="4653280" algn="l"/>
+                <a:tab pos="5234940" algn="l"/>
+                <a:tab pos="5816600" algn="l"/>
+                <a:tab pos="6398260" algn="l"/>
+                <a:tab pos="6979920" algn="l"/>
+                <a:tab pos="7561580" algn="l"/>
+                <a:tab pos="8143240" algn="l"/>
+                <a:tab pos="8724900" algn="l"/>
+                <a:tab pos="9306560" algn="l"/>
+              </a:tabLst>
+            </a:pPr>
+            <a:r>
+              <a:rPr lang="en-US" dirty="0">
+                <a:solidFill>
+                  <a:srgbClr val="7C4FCD"/>
+                </a:solidFill>
+                <a:latin typeface="Consolas" panose="020B0609020204030204" pitchFamily="49" charset="0"/>
+                <a:ea typeface="Times New Roman" panose="02020603050405020304" pitchFamily="18" charset="0"/>
+                <a:cs typeface="Consolas" panose="020B0609020204030204" pitchFamily="49" charset="0"/>
+              </a:rPr>
+              <a:t>    0x1D4E1D4E</a:t>
+            </a:r>
+            <a:r>
+              <a:rPr lang="en-US" dirty="0">
+                <a:solidFill>
+                  <a:srgbClr val="000000"/>
+                </a:solidFill>
+                <a:latin typeface="Consolas" panose="020B0609020204030204" pitchFamily="49" charset="0"/>
+                <a:ea typeface="Times New Roman" panose="02020603050405020304" pitchFamily="18" charset="0"/>
+                <a:cs typeface="Consolas" panose="020B0609020204030204" pitchFamily="49" charset="0"/>
+              </a:rPr>
+              <a:t>,</a:t>
+            </a:r>
+          </a:p>
+          <a:p>
+            <a:pPr>
+              <a:lnSpc>
+                <a:spcPct val="107000"/>
+              </a:lnSpc>
+              <a:tabLst>
+                <a:tab pos="581660" algn="l"/>
+                <a:tab pos="1163320" algn="l"/>
+                <a:tab pos="1744980" algn="l"/>
+                <a:tab pos="2326640" algn="l"/>
+                <a:tab pos="2908300" algn="l"/>
+                <a:tab pos="3489960" algn="l"/>
+                <a:tab pos="4071620" algn="l"/>
+                <a:tab pos="4653280" algn="l"/>
+                <a:tab pos="5234940" algn="l"/>
+                <a:tab pos="5816600" algn="l"/>
+                <a:tab pos="6398260" algn="l"/>
+                <a:tab pos="6979920" algn="l"/>
+                <a:tab pos="7561580" algn="l"/>
+                <a:tab pos="8143240" algn="l"/>
+                <a:tab pos="8724900" algn="l"/>
+                <a:tab pos="9306560" algn="l"/>
+              </a:tabLst>
+            </a:pPr>
+            <a:r>
+              <a:rPr lang="en-US" dirty="0">
+                <a:solidFill>
+                  <a:srgbClr val="000000"/>
+                </a:solidFill>
+                <a:latin typeface="Consolas" panose="020B0609020204030204" pitchFamily="49" charset="0"/>
+                <a:ea typeface="Times New Roman" panose="02020603050405020304" pitchFamily="18" charset="0"/>
+                <a:cs typeface="Consolas" panose="020B0609020204030204" pitchFamily="49" charset="0"/>
+              </a:rPr>
+              <a:t>    </a:t>
+            </a:r>
+            <a:r>
+              <a:rPr lang="en-US" dirty="0">
+                <a:solidFill>
+                  <a:srgbClr val="7C4FCD"/>
+                </a:solidFill>
+                <a:latin typeface="Consolas" panose="020B0609020204030204" pitchFamily="49" charset="0"/>
+                <a:ea typeface="Times New Roman" panose="02020603050405020304" pitchFamily="18" charset="0"/>
+                <a:cs typeface="Consolas" panose="020B0609020204030204" pitchFamily="49" charset="0"/>
+              </a:rPr>
+              <a:t>0x58F958F9</a:t>
+            </a:r>
+            <a:r>
+              <a:rPr lang="en-US" dirty="0">
+                <a:solidFill>
+                  <a:srgbClr val="000000"/>
+                </a:solidFill>
+                <a:latin typeface="Consolas" panose="020B0609020204030204" pitchFamily="49" charset="0"/>
+                <a:ea typeface="Times New Roman" panose="02020603050405020304" pitchFamily="18" charset="0"/>
+                <a:cs typeface="Consolas" panose="020B0609020204030204" pitchFamily="49" charset="0"/>
+              </a:rPr>
+              <a:t>,</a:t>
+            </a:r>
+          </a:p>
+          <a:p>
+            <a:pPr>
+              <a:lnSpc>
+                <a:spcPct val="107000"/>
+              </a:lnSpc>
+              <a:tabLst>
+                <a:tab pos="581660" algn="l"/>
+                <a:tab pos="1163320" algn="l"/>
+                <a:tab pos="1744980" algn="l"/>
+                <a:tab pos="2326640" algn="l"/>
+                <a:tab pos="2908300" algn="l"/>
+                <a:tab pos="3489960" algn="l"/>
+                <a:tab pos="4071620" algn="l"/>
+                <a:tab pos="4653280" algn="l"/>
+                <a:tab pos="5234940" algn="l"/>
+                <a:tab pos="5816600" algn="l"/>
+                <a:tab pos="6398260" algn="l"/>
+                <a:tab pos="6979920" algn="l"/>
+                <a:tab pos="7561580" algn="l"/>
+                <a:tab pos="8143240" algn="l"/>
+                <a:tab pos="8724900" algn="l"/>
+                <a:tab pos="9306560" algn="l"/>
+              </a:tabLst>
+            </a:pPr>
+            <a:r>
+              <a:rPr lang="en-US" dirty="0">
+                <a:solidFill>
+                  <a:srgbClr val="000000"/>
+                </a:solidFill>
+                <a:latin typeface="Consolas" panose="020B0609020204030204" pitchFamily="49" charset="0"/>
+                <a:ea typeface="Times New Roman" panose="02020603050405020304" pitchFamily="18" charset="0"/>
+                <a:cs typeface="Consolas" panose="020B0609020204030204" pitchFamily="49" charset="0"/>
+              </a:rPr>
+              <a:t>    </a:t>
+            </a:r>
+            <a:r>
+              <a:rPr lang="en-US" dirty="0">
+                <a:solidFill>
+                  <a:srgbClr val="7C4FCD"/>
+                </a:solidFill>
+                <a:latin typeface="Consolas" panose="020B0609020204030204" pitchFamily="49" charset="0"/>
+                <a:ea typeface="Times New Roman" panose="02020603050405020304" pitchFamily="18" charset="0"/>
+                <a:cs typeface="Consolas" panose="020B0609020204030204" pitchFamily="49" charset="0"/>
+              </a:rPr>
+              <a:t>0x129F129F</a:t>
+            </a:r>
+            <a:r>
+              <a:rPr lang="en-US" dirty="0">
+                <a:solidFill>
+                  <a:srgbClr val="000000"/>
+                </a:solidFill>
+                <a:latin typeface="Consolas" panose="020B0609020204030204" pitchFamily="49" charset="0"/>
+                <a:ea typeface="Times New Roman" panose="02020603050405020304" pitchFamily="18" charset="0"/>
+                <a:cs typeface="Consolas" panose="020B0609020204030204" pitchFamily="49" charset="0"/>
+              </a:rPr>
+              <a:t>);</a:t>
+            </a:r>
+            <a:endParaRPr lang="en-US" dirty="0">
+              <a:latin typeface="Consolas" panose="020B0609020204030204" pitchFamily="49" charset="0"/>
+              <a:ea typeface="Calibri" panose="020F0502020204030204" pitchFamily="34" charset="0"/>
+              <a:cs typeface="Consolas" panose="020B0609020204030204" pitchFamily="49" charset="0"/>
+            </a:endParaRPr>
+          </a:p>
+          <a:p>
+            <a:pPr>
+              <a:lnSpc>
+                <a:spcPct val="107000"/>
+              </a:lnSpc>
+              <a:tabLst>
+                <a:tab pos="581660" algn="l"/>
+                <a:tab pos="1163320" algn="l"/>
+                <a:tab pos="1744980" algn="l"/>
+                <a:tab pos="2326640" algn="l"/>
+                <a:tab pos="2908300" algn="l"/>
+                <a:tab pos="3489960" algn="l"/>
+                <a:tab pos="4071620" algn="l"/>
+                <a:tab pos="4653280" algn="l"/>
+                <a:tab pos="5234940" algn="l"/>
+                <a:tab pos="5816600" algn="l"/>
+                <a:tab pos="6398260" algn="l"/>
+                <a:tab pos="6979920" algn="l"/>
+                <a:tab pos="7561580" algn="l"/>
+                <a:tab pos="8143240" algn="l"/>
+                <a:tab pos="8724900" algn="l"/>
+                <a:tab pos="9306560" algn="l"/>
+              </a:tabLst>
+            </a:pPr>
+            <a:r>
+              <a:rPr lang="en-US" dirty="0">
+                <a:solidFill>
+                  <a:srgbClr val="000000"/>
+                </a:solidFill>
+                <a:latin typeface="Consolas" panose="020B0609020204030204" pitchFamily="49" charset="0"/>
+                <a:ea typeface="Times New Roman" panose="02020603050405020304" pitchFamily="18" charset="0"/>
+                <a:cs typeface="Consolas" panose="020B0609020204030204" pitchFamily="49" charset="0"/>
+              </a:rPr>
+              <a:t>  </a:t>
+            </a:r>
+            <a:r>
+              <a:rPr lang="en-US" i="1" u="heavy" dirty="0">
+                <a:solidFill>
+                  <a:srgbClr val="34A7BD"/>
+                </a:solidFill>
+                <a:uFill>
+                  <a:solidFill>
+                    <a:srgbClr val="FF0000"/>
+                  </a:solidFill>
+                </a:uFill>
+                <a:latin typeface="Consolas" panose="020B0609020204030204" pitchFamily="49" charset="0"/>
+                <a:ea typeface="Times New Roman" panose="02020603050405020304" pitchFamily="18" charset="0"/>
+                <a:cs typeface="Consolas" panose="020B0609020204030204" pitchFamily="49" charset="0"/>
+              </a:rPr>
+              <a:t>vec3</a:t>
+            </a:r>
+            <a:r>
+              <a:rPr lang="en-US" i="1" dirty="0">
+                <a:solidFill>
+                  <a:srgbClr val="34A7BD"/>
+                </a:solidFill>
+                <a:latin typeface="Consolas" panose="020B0609020204030204" pitchFamily="49" charset="0"/>
+                <a:ea typeface="Times New Roman" panose="02020603050405020304" pitchFamily="18" charset="0"/>
+                <a:cs typeface="Consolas" panose="020B0609020204030204" pitchFamily="49" charset="0"/>
+              </a:rPr>
+              <a:t> </a:t>
+            </a:r>
+            <a:r>
+              <a:rPr lang="en-US" dirty="0">
+                <a:solidFill>
+                  <a:srgbClr val="000000"/>
+                </a:solidFill>
+                <a:latin typeface="Consolas" panose="020B0609020204030204" pitchFamily="49" charset="0"/>
+                <a:ea typeface="Times New Roman" panose="02020603050405020304" pitchFamily="18" charset="0"/>
+                <a:cs typeface="Consolas" panose="020B0609020204030204" pitchFamily="49" charset="0"/>
+              </a:rPr>
+              <a:t>f </a:t>
+            </a:r>
+            <a:r>
+              <a:rPr lang="en-US" dirty="0">
+                <a:solidFill>
+                  <a:srgbClr val="C70040"/>
+                </a:solidFill>
+                <a:latin typeface="Consolas" panose="020B0609020204030204" pitchFamily="49" charset="0"/>
+                <a:ea typeface="Times New Roman" panose="02020603050405020304" pitchFamily="18" charset="0"/>
+                <a:cs typeface="Consolas" panose="020B0609020204030204" pitchFamily="49" charset="0"/>
+              </a:rPr>
+              <a:t>= </a:t>
+            </a:r>
+            <a:r>
+              <a:rPr lang="en-US" i="1" dirty="0">
+                <a:solidFill>
+                  <a:srgbClr val="34A7BD"/>
+                </a:solidFill>
+                <a:latin typeface="Consolas" panose="020B0609020204030204" pitchFamily="49" charset="0"/>
+                <a:ea typeface="Times New Roman" panose="02020603050405020304" pitchFamily="18" charset="0"/>
+                <a:cs typeface="Consolas" panose="020B0609020204030204" pitchFamily="49" charset="0"/>
+              </a:rPr>
+              <a:t>vec3</a:t>
+            </a:r>
+            <a:r>
+              <a:rPr lang="en-US" dirty="0">
+                <a:solidFill>
+                  <a:srgbClr val="000000"/>
+                </a:solidFill>
+                <a:latin typeface="Consolas" panose="020B0609020204030204" pitchFamily="49" charset="0"/>
+                <a:ea typeface="Times New Roman" panose="02020603050405020304" pitchFamily="18" charset="0"/>
+                <a:cs typeface="Consolas" panose="020B0609020204030204" pitchFamily="49" charset="0"/>
+              </a:rPr>
+              <a:t>(</a:t>
+            </a:r>
+            <a:r>
+              <a:rPr lang="en-US" dirty="0">
+                <a:solidFill>
+                  <a:srgbClr val="7C4FCD"/>
+                </a:solidFill>
+                <a:latin typeface="Consolas" panose="020B0609020204030204" pitchFamily="49" charset="0"/>
+                <a:ea typeface="Times New Roman" panose="02020603050405020304" pitchFamily="18" charset="0"/>
+                <a:cs typeface="Consolas" panose="020B0609020204030204" pitchFamily="49" charset="0"/>
+              </a:rPr>
+              <a:t>0</a:t>
+            </a:r>
+            <a:r>
+              <a:rPr lang="en-US" dirty="0">
+                <a:solidFill>
+                  <a:srgbClr val="000000"/>
+                </a:solidFill>
+                <a:latin typeface="Consolas" panose="020B0609020204030204" pitchFamily="49" charset="0"/>
+                <a:ea typeface="Times New Roman" panose="02020603050405020304" pitchFamily="18" charset="0"/>
+                <a:cs typeface="Consolas" panose="020B0609020204030204" pitchFamily="49" charset="0"/>
+              </a:rPr>
+              <a:t>, </a:t>
+            </a:r>
+            <a:r>
+              <a:rPr lang="en-US" dirty="0">
+                <a:solidFill>
+                  <a:srgbClr val="7C4FCD"/>
+                </a:solidFill>
+                <a:latin typeface="Consolas" panose="020B0609020204030204" pitchFamily="49" charset="0"/>
+                <a:ea typeface="Times New Roman" panose="02020603050405020304" pitchFamily="18" charset="0"/>
+                <a:cs typeface="Consolas" panose="020B0609020204030204" pitchFamily="49" charset="0"/>
+              </a:rPr>
+              <a:t>0</a:t>
+            </a:r>
+            <a:r>
+              <a:rPr lang="en-US" dirty="0">
+                <a:solidFill>
+                  <a:srgbClr val="000000"/>
+                </a:solidFill>
+                <a:latin typeface="Consolas" panose="020B0609020204030204" pitchFamily="49" charset="0"/>
+                <a:ea typeface="Times New Roman" panose="02020603050405020304" pitchFamily="18" charset="0"/>
+                <a:cs typeface="Consolas" panose="020B0609020204030204" pitchFamily="49" charset="0"/>
+              </a:rPr>
+              <a:t>, </a:t>
+            </a:r>
+            <a:r>
+              <a:rPr lang="en-US" dirty="0">
+                <a:solidFill>
+                  <a:srgbClr val="7C4FCD"/>
+                </a:solidFill>
+                <a:latin typeface="Consolas" panose="020B0609020204030204" pitchFamily="49" charset="0"/>
+                <a:ea typeface="Times New Roman" panose="02020603050405020304" pitchFamily="18" charset="0"/>
+                <a:cs typeface="Consolas" panose="020B0609020204030204" pitchFamily="49" charset="0"/>
+              </a:rPr>
+              <a:t>0</a:t>
+            </a:r>
+            <a:r>
+              <a:rPr lang="en-US" dirty="0">
+                <a:solidFill>
+                  <a:srgbClr val="000000"/>
+                </a:solidFill>
+                <a:latin typeface="Consolas" panose="020B0609020204030204" pitchFamily="49" charset="0"/>
+                <a:ea typeface="Times New Roman" panose="02020603050405020304" pitchFamily="18" charset="0"/>
+                <a:cs typeface="Consolas" panose="020B0609020204030204" pitchFamily="49" charset="0"/>
+              </a:rPr>
+              <a:t>);</a:t>
+            </a:r>
+            <a:endParaRPr lang="en-US" dirty="0">
+              <a:latin typeface="Consolas" panose="020B0609020204030204" pitchFamily="49" charset="0"/>
+              <a:ea typeface="Calibri" panose="020F0502020204030204" pitchFamily="34" charset="0"/>
+              <a:cs typeface="Consolas" panose="020B0609020204030204" pitchFamily="49" charset="0"/>
+            </a:endParaRPr>
+          </a:p>
+          <a:p>
+            <a:pPr>
+              <a:lnSpc>
+                <a:spcPct val="107000"/>
+              </a:lnSpc>
+              <a:tabLst>
+                <a:tab pos="581660" algn="l"/>
+                <a:tab pos="1163320" algn="l"/>
+                <a:tab pos="1744980" algn="l"/>
+                <a:tab pos="2326640" algn="l"/>
+                <a:tab pos="2908300" algn="l"/>
+                <a:tab pos="3489960" algn="l"/>
+                <a:tab pos="4071620" algn="l"/>
+                <a:tab pos="4653280" algn="l"/>
+                <a:tab pos="5234940" algn="l"/>
+                <a:tab pos="5816600" algn="l"/>
+                <a:tab pos="6398260" algn="l"/>
+                <a:tab pos="6979920" algn="l"/>
+                <a:tab pos="7561580" algn="l"/>
+                <a:tab pos="8143240" algn="l"/>
+                <a:tab pos="8724900" algn="l"/>
+                <a:tab pos="9306560" algn="l"/>
+              </a:tabLst>
+            </a:pPr>
+            <a:r>
+              <a:rPr lang="en-US" dirty="0">
+                <a:solidFill>
+                  <a:srgbClr val="000000"/>
+                </a:solidFill>
+                <a:latin typeface="Consolas" panose="020B0609020204030204" pitchFamily="49" charset="0"/>
+                <a:ea typeface="Times New Roman" panose="02020603050405020304" pitchFamily="18" charset="0"/>
+                <a:cs typeface="Consolas" panose="020B0609020204030204" pitchFamily="49" charset="0"/>
+              </a:rPr>
+              <a:t>  </a:t>
+            </a:r>
+            <a:r>
+              <a:rPr lang="en-US" dirty="0">
+                <a:solidFill>
+                  <a:srgbClr val="C70040"/>
+                </a:solidFill>
+                <a:latin typeface="Consolas" panose="020B0609020204030204" pitchFamily="49" charset="0"/>
+                <a:ea typeface="Times New Roman" panose="02020603050405020304" pitchFamily="18" charset="0"/>
+                <a:cs typeface="Consolas" panose="020B0609020204030204" pitchFamily="49" charset="0"/>
+              </a:rPr>
+              <a:t>for</a:t>
+            </a:r>
+            <a:r>
+              <a:rPr lang="en-US" dirty="0">
+                <a:solidFill>
+                  <a:srgbClr val="000000"/>
+                </a:solidFill>
+                <a:latin typeface="Consolas" panose="020B0609020204030204" pitchFamily="49" charset="0"/>
+                <a:ea typeface="Times New Roman" panose="02020603050405020304" pitchFamily="18" charset="0"/>
+                <a:cs typeface="Consolas" panose="020B0609020204030204" pitchFamily="49" charset="0"/>
+              </a:rPr>
+              <a:t>(</a:t>
+            </a:r>
+            <a:r>
+              <a:rPr lang="en-US" i="1" dirty="0" err="1">
+                <a:solidFill>
+                  <a:srgbClr val="34A7BD"/>
+                </a:solidFill>
+                <a:latin typeface="Consolas" panose="020B0609020204030204" pitchFamily="49" charset="0"/>
+                <a:ea typeface="Times New Roman" panose="02020603050405020304" pitchFamily="18" charset="0"/>
+                <a:cs typeface="Consolas" panose="020B0609020204030204" pitchFamily="49" charset="0"/>
+              </a:rPr>
+              <a:t>int</a:t>
+            </a:r>
+            <a:r>
+              <a:rPr lang="en-US" i="1" dirty="0">
+                <a:solidFill>
+                  <a:srgbClr val="34A7BD"/>
+                </a:solidFill>
+                <a:latin typeface="Consolas" panose="020B0609020204030204" pitchFamily="49" charset="0"/>
+                <a:ea typeface="Times New Roman" panose="02020603050405020304" pitchFamily="18" charset="0"/>
+                <a:cs typeface="Consolas" panose="020B0609020204030204" pitchFamily="49" charset="0"/>
+              </a:rPr>
+              <a:t> </a:t>
+            </a:r>
+            <a:r>
+              <a:rPr lang="en-US" dirty="0" err="1">
+                <a:solidFill>
+                  <a:srgbClr val="000000"/>
+                </a:solidFill>
+                <a:latin typeface="Consolas" panose="020B0609020204030204" pitchFamily="49" charset="0"/>
+                <a:ea typeface="Times New Roman" panose="02020603050405020304" pitchFamily="18" charset="0"/>
+                <a:cs typeface="Consolas" panose="020B0609020204030204" pitchFamily="49" charset="0"/>
+              </a:rPr>
+              <a:t>i</a:t>
+            </a:r>
+            <a:r>
+              <a:rPr lang="en-US" dirty="0">
+                <a:solidFill>
+                  <a:srgbClr val="C70040"/>
+                </a:solidFill>
+                <a:latin typeface="Consolas" panose="020B0609020204030204" pitchFamily="49" charset="0"/>
+                <a:ea typeface="Times New Roman" panose="02020603050405020304" pitchFamily="18" charset="0"/>
+                <a:cs typeface="Consolas" panose="020B0609020204030204" pitchFamily="49" charset="0"/>
+              </a:rPr>
+              <a:t>=</a:t>
+            </a:r>
+            <a:r>
+              <a:rPr lang="en-US" dirty="0">
+                <a:solidFill>
+                  <a:srgbClr val="7C4FCD"/>
+                </a:solidFill>
+                <a:latin typeface="Consolas" panose="020B0609020204030204" pitchFamily="49" charset="0"/>
+                <a:ea typeface="Times New Roman" panose="02020603050405020304" pitchFamily="18" charset="0"/>
+                <a:cs typeface="Consolas" panose="020B0609020204030204" pitchFamily="49" charset="0"/>
+              </a:rPr>
+              <a:t>0</a:t>
+            </a:r>
+            <a:r>
+              <a:rPr lang="en-US" dirty="0">
+                <a:solidFill>
+                  <a:srgbClr val="000000"/>
+                </a:solidFill>
+                <a:latin typeface="Consolas" panose="020B0609020204030204" pitchFamily="49" charset="0"/>
+                <a:ea typeface="Times New Roman" panose="02020603050405020304" pitchFamily="18" charset="0"/>
+                <a:cs typeface="Consolas" panose="020B0609020204030204" pitchFamily="49" charset="0"/>
+              </a:rPr>
+              <a:t>; </a:t>
+            </a:r>
+            <a:r>
+              <a:rPr lang="en-US" dirty="0" err="1">
+                <a:solidFill>
+                  <a:srgbClr val="000000"/>
+                </a:solidFill>
+                <a:latin typeface="Consolas" panose="020B0609020204030204" pitchFamily="49" charset="0"/>
+                <a:ea typeface="Times New Roman" panose="02020603050405020304" pitchFamily="18" charset="0"/>
+                <a:cs typeface="Consolas" panose="020B0609020204030204" pitchFamily="49" charset="0"/>
+              </a:rPr>
+              <a:t>i</a:t>
+            </a:r>
+            <a:r>
+              <a:rPr lang="en-US" dirty="0">
+                <a:solidFill>
+                  <a:srgbClr val="C70040"/>
+                </a:solidFill>
+                <a:latin typeface="Consolas" panose="020B0609020204030204" pitchFamily="49" charset="0"/>
+                <a:ea typeface="Times New Roman" panose="02020603050405020304" pitchFamily="18" charset="0"/>
+                <a:cs typeface="Consolas" panose="020B0609020204030204" pitchFamily="49" charset="0"/>
+              </a:rPr>
+              <a:t>&lt;</a:t>
+            </a:r>
+            <a:r>
+              <a:rPr lang="en-US" dirty="0">
+                <a:solidFill>
+                  <a:srgbClr val="7C4FCD"/>
+                </a:solidFill>
+                <a:latin typeface="Consolas" panose="020B0609020204030204" pitchFamily="49" charset="0"/>
+                <a:ea typeface="Times New Roman" panose="02020603050405020304" pitchFamily="18" charset="0"/>
+                <a:cs typeface="Consolas" panose="020B0609020204030204" pitchFamily="49" charset="0"/>
+              </a:rPr>
+              <a:t>16</a:t>
+            </a:r>
+            <a:r>
+              <a:rPr lang="en-US" dirty="0">
+                <a:solidFill>
+                  <a:srgbClr val="000000"/>
+                </a:solidFill>
+                <a:latin typeface="Consolas" panose="020B0609020204030204" pitchFamily="49" charset="0"/>
+                <a:ea typeface="Times New Roman" panose="02020603050405020304" pitchFamily="18" charset="0"/>
+                <a:cs typeface="Consolas" panose="020B0609020204030204" pitchFamily="49" charset="0"/>
+              </a:rPr>
+              <a:t>; </a:t>
+            </a:r>
+            <a:r>
+              <a:rPr lang="en-US" dirty="0" err="1">
+                <a:solidFill>
+                  <a:srgbClr val="000000"/>
+                </a:solidFill>
+                <a:latin typeface="Consolas" panose="020B0609020204030204" pitchFamily="49" charset="0"/>
+                <a:ea typeface="Times New Roman" panose="02020603050405020304" pitchFamily="18" charset="0"/>
+                <a:cs typeface="Consolas" panose="020B0609020204030204" pitchFamily="49" charset="0"/>
+              </a:rPr>
+              <a:t>i</a:t>
+            </a:r>
+            <a:r>
+              <a:rPr lang="en-US" dirty="0">
+                <a:solidFill>
+                  <a:srgbClr val="C70040"/>
+                </a:solidFill>
+                <a:latin typeface="Consolas" panose="020B0609020204030204" pitchFamily="49" charset="0"/>
+                <a:ea typeface="Times New Roman" panose="02020603050405020304" pitchFamily="18" charset="0"/>
+                <a:cs typeface="Consolas" panose="020B0609020204030204" pitchFamily="49" charset="0"/>
+              </a:rPr>
+              <a:t>++</a:t>
+            </a:r>
+            <a:r>
+              <a:rPr lang="en-US" dirty="0">
+                <a:solidFill>
+                  <a:srgbClr val="000000"/>
+                </a:solidFill>
+                <a:latin typeface="Consolas" panose="020B0609020204030204" pitchFamily="49" charset="0"/>
+                <a:ea typeface="Times New Roman" panose="02020603050405020304" pitchFamily="18" charset="0"/>
+                <a:cs typeface="Consolas" panose="020B0609020204030204" pitchFamily="49" charset="0"/>
+              </a:rPr>
+              <a:t>) {</a:t>
+            </a:r>
+            <a:endParaRPr lang="en-US" dirty="0">
+              <a:latin typeface="Consolas" panose="020B0609020204030204" pitchFamily="49" charset="0"/>
+              <a:ea typeface="Calibri" panose="020F0502020204030204" pitchFamily="34" charset="0"/>
+              <a:cs typeface="Consolas" panose="020B0609020204030204" pitchFamily="49" charset="0"/>
+            </a:endParaRPr>
+          </a:p>
+          <a:p>
+            <a:pPr>
+              <a:lnSpc>
+                <a:spcPct val="107000"/>
+              </a:lnSpc>
+              <a:tabLst>
+                <a:tab pos="581660" algn="l"/>
+                <a:tab pos="1163320" algn="l"/>
+                <a:tab pos="1744980" algn="l"/>
+                <a:tab pos="2326640" algn="l"/>
+                <a:tab pos="2908300" algn="l"/>
+                <a:tab pos="3489960" algn="l"/>
+                <a:tab pos="4071620" algn="l"/>
+                <a:tab pos="4653280" algn="l"/>
+                <a:tab pos="5234940" algn="l"/>
+                <a:tab pos="5816600" algn="l"/>
+                <a:tab pos="6398260" algn="l"/>
+                <a:tab pos="6979920" algn="l"/>
+                <a:tab pos="7561580" algn="l"/>
+                <a:tab pos="8143240" algn="l"/>
+                <a:tab pos="8724900" algn="l"/>
+                <a:tab pos="9306560" algn="l"/>
+              </a:tabLst>
+            </a:pPr>
+            <a:r>
+              <a:rPr lang="en-US" dirty="0">
+                <a:solidFill>
+                  <a:srgbClr val="000000"/>
+                </a:solidFill>
+                <a:latin typeface="Consolas" panose="020B0609020204030204" pitchFamily="49" charset="0"/>
+                <a:ea typeface="Times New Roman" panose="02020603050405020304" pitchFamily="18" charset="0"/>
+                <a:cs typeface="Consolas" panose="020B0609020204030204" pitchFamily="49" charset="0"/>
+              </a:rPr>
+              <a:t>    </a:t>
+            </a:r>
+            <a:r>
+              <a:rPr lang="en-US" i="1" dirty="0">
+                <a:solidFill>
+                  <a:srgbClr val="34A7BD"/>
+                </a:solidFill>
+                <a:latin typeface="Consolas" panose="020B0609020204030204" pitchFamily="49" charset="0"/>
+                <a:ea typeface="Times New Roman" panose="02020603050405020304" pitchFamily="18" charset="0"/>
+                <a:cs typeface="Consolas" panose="020B0609020204030204" pitchFamily="49" charset="0"/>
+              </a:rPr>
+              <a:t>vec3 </a:t>
+            </a:r>
+            <a:r>
+              <a:rPr lang="en-US" dirty="0">
+                <a:solidFill>
+                  <a:srgbClr val="000000"/>
+                </a:solidFill>
+                <a:latin typeface="Consolas" panose="020B0609020204030204" pitchFamily="49" charset="0"/>
+                <a:ea typeface="Times New Roman" panose="02020603050405020304" pitchFamily="18" charset="0"/>
+                <a:cs typeface="Consolas" panose="020B0609020204030204" pitchFamily="49" charset="0"/>
+              </a:rPr>
+              <a:t>sf </a:t>
+            </a:r>
+            <a:r>
+              <a:rPr lang="en-US" dirty="0">
+                <a:solidFill>
+                  <a:srgbClr val="C70040"/>
+                </a:solidFill>
+                <a:latin typeface="Consolas" panose="020B0609020204030204" pitchFamily="49" charset="0"/>
+                <a:ea typeface="Times New Roman" panose="02020603050405020304" pitchFamily="18" charset="0"/>
+                <a:cs typeface="Consolas" panose="020B0609020204030204" pitchFamily="49" charset="0"/>
+              </a:rPr>
+              <a:t>=</a:t>
+            </a:r>
+            <a:endParaRPr lang="en-US" dirty="0">
+              <a:latin typeface="Consolas" panose="020B0609020204030204" pitchFamily="49" charset="0"/>
+              <a:ea typeface="Times New Roman" panose="02020603050405020304" pitchFamily="18" charset="0"/>
+              <a:cs typeface="Consolas" panose="020B0609020204030204" pitchFamily="49" charset="0"/>
+            </a:endParaRPr>
+          </a:p>
+          <a:p>
+            <a:pPr>
+              <a:lnSpc>
+                <a:spcPct val="107000"/>
+              </a:lnSpc>
+              <a:tabLst>
+                <a:tab pos="581660" algn="l"/>
+                <a:tab pos="1163320" algn="l"/>
+                <a:tab pos="1744980" algn="l"/>
+                <a:tab pos="2326640" algn="l"/>
+                <a:tab pos="2908300" algn="l"/>
+                <a:tab pos="3489960" algn="l"/>
+                <a:tab pos="4071620" algn="l"/>
+                <a:tab pos="4653280" algn="l"/>
+                <a:tab pos="5234940" algn="l"/>
+                <a:tab pos="5816600" algn="l"/>
+                <a:tab pos="6398260" algn="l"/>
+                <a:tab pos="6979920" algn="l"/>
+                <a:tab pos="7561580" algn="l"/>
+                <a:tab pos="8143240" algn="l"/>
+                <a:tab pos="8724900" algn="l"/>
+                <a:tab pos="9306560" algn="l"/>
+              </a:tabLst>
+            </a:pPr>
+            <a:r>
+              <a:rPr lang="en-US" i="1" dirty="0">
+                <a:solidFill>
+                  <a:srgbClr val="34A7BD"/>
+                </a:solidFill>
+                <a:latin typeface="Consolas" panose="020B0609020204030204" pitchFamily="49" charset="0"/>
+                <a:ea typeface="Times New Roman" panose="02020603050405020304" pitchFamily="18" charset="0"/>
+                <a:cs typeface="Consolas" panose="020B0609020204030204" pitchFamily="49" charset="0"/>
+              </a:rPr>
+              <a:t>    vec3</a:t>
+            </a:r>
+            <a:r>
+              <a:rPr lang="en-US" dirty="0">
+                <a:solidFill>
+                  <a:srgbClr val="000000"/>
+                </a:solidFill>
+                <a:latin typeface="Consolas" panose="020B0609020204030204" pitchFamily="49" charset="0"/>
+                <a:ea typeface="Times New Roman" panose="02020603050405020304" pitchFamily="18" charset="0"/>
+                <a:cs typeface="Consolas" panose="020B0609020204030204" pitchFamily="49" charset="0"/>
+              </a:rPr>
+              <a:t>(s </a:t>
+            </a:r>
+            <a:r>
+              <a:rPr lang="en-US" dirty="0">
+                <a:solidFill>
+                  <a:srgbClr val="C70040"/>
+                </a:solidFill>
+                <a:latin typeface="Consolas" panose="020B0609020204030204" pitchFamily="49" charset="0"/>
+                <a:ea typeface="Times New Roman" panose="02020603050405020304" pitchFamily="18" charset="0"/>
+                <a:cs typeface="Consolas" panose="020B0609020204030204" pitchFamily="49" charset="0"/>
+              </a:rPr>
+              <a:t>&amp; </a:t>
+            </a:r>
+            <a:r>
+              <a:rPr lang="en-US" i="1" dirty="0">
+                <a:solidFill>
+                  <a:srgbClr val="34A7BD"/>
+                </a:solidFill>
+                <a:latin typeface="Consolas" panose="020B0609020204030204" pitchFamily="49" charset="0"/>
+                <a:ea typeface="Times New Roman" panose="02020603050405020304" pitchFamily="18" charset="0"/>
+                <a:cs typeface="Consolas" panose="020B0609020204030204" pitchFamily="49" charset="0"/>
+              </a:rPr>
+              <a:t>uvec3</a:t>
+            </a:r>
+            <a:r>
+              <a:rPr lang="en-US" dirty="0">
+                <a:solidFill>
+                  <a:srgbClr val="000000"/>
+                </a:solidFill>
+                <a:latin typeface="Consolas" panose="020B0609020204030204" pitchFamily="49" charset="0"/>
+                <a:ea typeface="Times New Roman" panose="02020603050405020304" pitchFamily="18" charset="0"/>
+                <a:cs typeface="Consolas" panose="020B0609020204030204" pitchFamily="49" charset="0"/>
+              </a:rPr>
+              <a:t>(</a:t>
+            </a:r>
+            <a:r>
+              <a:rPr lang="en-US" dirty="0">
+                <a:solidFill>
+                  <a:srgbClr val="7C4FCD"/>
+                </a:solidFill>
+                <a:latin typeface="Consolas" panose="020B0609020204030204" pitchFamily="49" charset="0"/>
+                <a:ea typeface="Times New Roman" panose="02020603050405020304" pitchFamily="18" charset="0"/>
+                <a:cs typeface="Consolas" panose="020B0609020204030204" pitchFamily="49" charset="0"/>
+              </a:rPr>
+              <a:t>0xFFFF</a:t>
+            </a:r>
+            <a:r>
+              <a:rPr lang="en-US" dirty="0">
+                <a:solidFill>
+                  <a:srgbClr val="000000"/>
+                </a:solidFill>
+                <a:latin typeface="Consolas" panose="020B0609020204030204" pitchFamily="49" charset="0"/>
+                <a:ea typeface="Times New Roman" panose="02020603050405020304" pitchFamily="18" charset="0"/>
+                <a:cs typeface="Consolas" panose="020B0609020204030204" pitchFamily="49" charset="0"/>
+              </a:rPr>
+              <a:t>))</a:t>
+            </a:r>
+          </a:p>
+          <a:p>
+            <a:pPr>
+              <a:lnSpc>
+                <a:spcPct val="107000"/>
+              </a:lnSpc>
+              <a:tabLst>
+                <a:tab pos="581660" algn="l"/>
+                <a:tab pos="1163320" algn="l"/>
+                <a:tab pos="1744980" algn="l"/>
+                <a:tab pos="2326640" algn="l"/>
+                <a:tab pos="2908300" algn="l"/>
+                <a:tab pos="3489960" algn="l"/>
+                <a:tab pos="4071620" algn="l"/>
+                <a:tab pos="4653280" algn="l"/>
+                <a:tab pos="5234940" algn="l"/>
+                <a:tab pos="5816600" algn="l"/>
+                <a:tab pos="6398260" algn="l"/>
+                <a:tab pos="6979920" algn="l"/>
+                <a:tab pos="7561580" algn="l"/>
+                <a:tab pos="8143240" algn="l"/>
+                <a:tab pos="8724900" algn="l"/>
+                <a:tab pos="9306560" algn="l"/>
+              </a:tabLst>
+            </a:pPr>
+            <a:r>
+              <a:rPr lang="en-US" dirty="0">
+                <a:solidFill>
+                  <a:srgbClr val="000000"/>
+                </a:solidFill>
+                <a:latin typeface="Consolas" panose="020B0609020204030204" pitchFamily="49" charset="0"/>
+                <a:ea typeface="Times New Roman" panose="02020603050405020304" pitchFamily="18" charset="0"/>
+                <a:cs typeface="Consolas" panose="020B0609020204030204" pitchFamily="49" charset="0"/>
+              </a:rPr>
+              <a:t>  </a:t>
+            </a:r>
+            <a:r>
+              <a:rPr lang="en-US" dirty="0">
+                <a:solidFill>
+                  <a:srgbClr val="C70040"/>
+                </a:solidFill>
+                <a:latin typeface="Consolas" panose="020B0609020204030204" pitchFamily="49" charset="0"/>
+                <a:ea typeface="Times New Roman" panose="02020603050405020304" pitchFamily="18" charset="0"/>
+                <a:cs typeface="Consolas" panose="020B0609020204030204" pitchFamily="49" charset="0"/>
+              </a:rPr>
+              <a:t>/ </a:t>
+            </a:r>
+            <a:r>
+              <a:rPr lang="en-US" dirty="0">
+                <a:solidFill>
+                  <a:srgbClr val="7C4FCD"/>
+                </a:solidFill>
+                <a:latin typeface="Consolas" panose="020B0609020204030204" pitchFamily="49" charset="0"/>
+                <a:ea typeface="Times New Roman" panose="02020603050405020304" pitchFamily="18" charset="0"/>
+                <a:cs typeface="Consolas" panose="020B0609020204030204" pitchFamily="49" charset="0"/>
+              </a:rPr>
+              <a:t>65536.0 </a:t>
+            </a:r>
+            <a:r>
+              <a:rPr lang="en-US" dirty="0">
+                <a:solidFill>
+                  <a:srgbClr val="C70040"/>
+                </a:solidFill>
+                <a:latin typeface="Consolas" panose="020B0609020204030204" pitchFamily="49" charset="0"/>
+                <a:ea typeface="Times New Roman" panose="02020603050405020304" pitchFamily="18" charset="0"/>
+                <a:cs typeface="Consolas" panose="020B0609020204030204" pitchFamily="49" charset="0"/>
+              </a:rPr>
+              <a:t>- </a:t>
+            </a:r>
+            <a:r>
+              <a:rPr lang="en-US" i="1" dirty="0">
+                <a:solidFill>
+                  <a:srgbClr val="34A7BD"/>
+                </a:solidFill>
+                <a:latin typeface="Consolas" panose="020B0609020204030204" pitchFamily="49" charset="0"/>
+                <a:ea typeface="Times New Roman" panose="02020603050405020304" pitchFamily="18" charset="0"/>
+                <a:cs typeface="Consolas" panose="020B0609020204030204" pitchFamily="49" charset="0"/>
+              </a:rPr>
+              <a:t>vec3</a:t>
+            </a:r>
+            <a:r>
+              <a:rPr lang="en-US" dirty="0">
+                <a:solidFill>
+                  <a:srgbClr val="000000"/>
+                </a:solidFill>
+                <a:latin typeface="Consolas" panose="020B0609020204030204" pitchFamily="49" charset="0"/>
+                <a:ea typeface="Times New Roman" panose="02020603050405020304" pitchFamily="18" charset="0"/>
+                <a:cs typeface="Consolas" panose="020B0609020204030204" pitchFamily="49" charset="0"/>
+              </a:rPr>
+              <a:t>(</a:t>
+            </a:r>
+            <a:r>
+              <a:rPr lang="en-US" dirty="0">
+                <a:solidFill>
+                  <a:srgbClr val="7C4FCD"/>
+                </a:solidFill>
+                <a:latin typeface="Consolas" panose="020B0609020204030204" pitchFamily="49" charset="0"/>
+                <a:ea typeface="Times New Roman" panose="02020603050405020304" pitchFamily="18" charset="0"/>
+                <a:cs typeface="Consolas" panose="020B0609020204030204" pitchFamily="49" charset="0"/>
+              </a:rPr>
+              <a:t>0.5</a:t>
+            </a:r>
+            <a:r>
+              <a:rPr lang="en-US" dirty="0">
+                <a:solidFill>
+                  <a:srgbClr val="000000"/>
+                </a:solidFill>
+                <a:latin typeface="Consolas" panose="020B0609020204030204" pitchFamily="49" charset="0"/>
+                <a:ea typeface="Times New Roman" panose="02020603050405020304" pitchFamily="18" charset="0"/>
+                <a:cs typeface="Consolas" panose="020B0609020204030204" pitchFamily="49" charset="0"/>
+              </a:rPr>
+              <a:t>, </a:t>
+            </a:r>
+            <a:r>
+              <a:rPr lang="en-US" dirty="0">
+                <a:solidFill>
+                  <a:srgbClr val="7C4FCD"/>
+                </a:solidFill>
+                <a:latin typeface="Consolas" panose="020B0609020204030204" pitchFamily="49" charset="0"/>
+                <a:ea typeface="Times New Roman" panose="02020603050405020304" pitchFamily="18" charset="0"/>
+                <a:cs typeface="Consolas" panose="020B0609020204030204" pitchFamily="49" charset="0"/>
+              </a:rPr>
+              <a:t>0.5</a:t>
+            </a:r>
+            <a:r>
+              <a:rPr lang="en-US" dirty="0">
+                <a:solidFill>
+                  <a:srgbClr val="000000"/>
+                </a:solidFill>
+                <a:latin typeface="Consolas" panose="020B0609020204030204" pitchFamily="49" charset="0"/>
+                <a:ea typeface="Times New Roman" panose="02020603050405020304" pitchFamily="18" charset="0"/>
+                <a:cs typeface="Consolas" panose="020B0609020204030204" pitchFamily="49" charset="0"/>
+              </a:rPr>
+              <a:t>, </a:t>
+            </a:r>
+            <a:r>
+              <a:rPr lang="en-US" dirty="0">
+                <a:solidFill>
+                  <a:srgbClr val="7C4FCD"/>
+                </a:solidFill>
+                <a:latin typeface="Consolas" panose="020B0609020204030204" pitchFamily="49" charset="0"/>
+                <a:ea typeface="Times New Roman" panose="02020603050405020304" pitchFamily="18" charset="0"/>
+                <a:cs typeface="Consolas" panose="020B0609020204030204" pitchFamily="49" charset="0"/>
+              </a:rPr>
+              <a:t>0.5</a:t>
+            </a:r>
+            <a:r>
+              <a:rPr lang="en-US" dirty="0">
+                <a:solidFill>
+                  <a:srgbClr val="000000"/>
+                </a:solidFill>
+                <a:latin typeface="Consolas" panose="020B0609020204030204" pitchFamily="49" charset="0"/>
+                <a:ea typeface="Times New Roman" panose="02020603050405020304" pitchFamily="18" charset="0"/>
+                <a:cs typeface="Consolas" panose="020B0609020204030204" pitchFamily="49" charset="0"/>
+              </a:rPr>
+              <a:t>);</a:t>
+            </a:r>
+            <a:endParaRPr lang="en-US" dirty="0">
+              <a:latin typeface="Consolas" panose="020B0609020204030204" pitchFamily="49" charset="0"/>
+              <a:ea typeface="Calibri" panose="020F0502020204030204" pitchFamily="34" charset="0"/>
+              <a:cs typeface="Consolas" panose="020B0609020204030204" pitchFamily="49" charset="0"/>
+            </a:endParaRPr>
+          </a:p>
+          <a:p>
+            <a:pPr>
+              <a:lnSpc>
+                <a:spcPct val="107000"/>
+              </a:lnSpc>
+              <a:tabLst>
+                <a:tab pos="581660" algn="l"/>
+                <a:tab pos="1163320" algn="l"/>
+                <a:tab pos="1744980" algn="l"/>
+                <a:tab pos="2326640" algn="l"/>
+                <a:tab pos="2908300" algn="l"/>
+                <a:tab pos="3489960" algn="l"/>
+                <a:tab pos="4071620" algn="l"/>
+                <a:tab pos="4653280" algn="l"/>
+                <a:tab pos="5234940" algn="l"/>
+                <a:tab pos="5816600" algn="l"/>
+                <a:tab pos="6398260" algn="l"/>
+                <a:tab pos="6979920" algn="l"/>
+                <a:tab pos="7561580" algn="l"/>
+                <a:tab pos="8143240" algn="l"/>
+                <a:tab pos="8724900" algn="l"/>
+                <a:tab pos="9306560" algn="l"/>
+              </a:tabLst>
+            </a:pPr>
+            <a:r>
+              <a:rPr lang="en-US" dirty="0">
+                <a:solidFill>
+                  <a:srgbClr val="000000"/>
+                </a:solidFill>
+                <a:latin typeface="Consolas" panose="020B0609020204030204" pitchFamily="49" charset="0"/>
+                <a:ea typeface="Times New Roman" panose="02020603050405020304" pitchFamily="18" charset="0"/>
+                <a:cs typeface="Consolas" panose="020B0609020204030204" pitchFamily="49" charset="0"/>
+              </a:rPr>
+              <a:t>    </a:t>
+            </a:r>
+            <a:endParaRPr lang="en-US" dirty="0">
+              <a:latin typeface="Consolas" panose="020B0609020204030204" pitchFamily="49" charset="0"/>
+              <a:ea typeface="Calibri" panose="020F0502020204030204" pitchFamily="34" charset="0"/>
+              <a:cs typeface="Consolas" panose="020B0609020204030204" pitchFamily="49" charset="0"/>
+            </a:endParaRPr>
+          </a:p>
+          <a:p>
+            <a:pPr>
+              <a:lnSpc>
+                <a:spcPct val="107000"/>
+              </a:lnSpc>
+              <a:tabLst>
+                <a:tab pos="581660" algn="l"/>
+                <a:tab pos="1163320" algn="l"/>
+                <a:tab pos="1744980" algn="l"/>
+                <a:tab pos="2326640" algn="l"/>
+                <a:tab pos="2908300" algn="l"/>
+                <a:tab pos="3489960" algn="l"/>
+                <a:tab pos="4071620" algn="l"/>
+                <a:tab pos="4653280" algn="l"/>
+                <a:tab pos="5234940" algn="l"/>
+                <a:tab pos="5816600" algn="l"/>
+                <a:tab pos="6398260" algn="l"/>
+                <a:tab pos="6979920" algn="l"/>
+                <a:tab pos="7561580" algn="l"/>
+                <a:tab pos="8143240" algn="l"/>
+                <a:tab pos="8724900" algn="l"/>
+                <a:tab pos="9306560" algn="l"/>
+              </a:tabLst>
+            </a:pPr>
+            <a:r>
+              <a:rPr lang="en-US" dirty="0">
+                <a:solidFill>
+                  <a:srgbClr val="000000"/>
+                </a:solidFill>
+                <a:latin typeface="Consolas" panose="020B0609020204030204" pitchFamily="49" charset="0"/>
+                <a:ea typeface="Times New Roman" panose="02020603050405020304" pitchFamily="18" charset="0"/>
+                <a:cs typeface="Consolas" panose="020B0609020204030204" pitchFamily="49" charset="0"/>
+              </a:rPr>
+              <a:t>    f </a:t>
+            </a:r>
+            <a:r>
+              <a:rPr lang="en-US" dirty="0">
+                <a:solidFill>
+                  <a:srgbClr val="C70040"/>
+                </a:solidFill>
+                <a:latin typeface="Consolas" panose="020B0609020204030204" pitchFamily="49" charset="0"/>
+                <a:ea typeface="Times New Roman" panose="02020603050405020304" pitchFamily="18" charset="0"/>
+                <a:cs typeface="Consolas" panose="020B0609020204030204" pitchFamily="49" charset="0"/>
+              </a:rPr>
+              <a:t>+= </a:t>
+            </a:r>
+            <a:r>
+              <a:rPr lang="en-US" u="heavy" dirty="0">
+                <a:solidFill>
+                  <a:srgbClr val="34A7BD"/>
+                </a:solidFill>
+                <a:uFill>
+                  <a:solidFill>
+                    <a:srgbClr val="FF0000"/>
+                  </a:solidFill>
+                </a:uFill>
+                <a:latin typeface="Consolas" panose="020B0609020204030204" pitchFamily="49" charset="0"/>
+                <a:ea typeface="Times New Roman" panose="02020603050405020304" pitchFamily="18" charset="0"/>
+                <a:cs typeface="Consolas" panose="020B0609020204030204" pitchFamily="49" charset="0"/>
+              </a:rPr>
+              <a:t>cos</a:t>
+            </a:r>
+            <a:r>
+              <a:rPr lang="en-US" dirty="0">
+                <a:solidFill>
+                  <a:srgbClr val="000000"/>
+                </a:solidFill>
+                <a:latin typeface="Consolas" panose="020B0609020204030204" pitchFamily="49" charset="0"/>
+                <a:ea typeface="Times New Roman" panose="02020603050405020304" pitchFamily="18" charset="0"/>
+                <a:cs typeface="Consolas" panose="020B0609020204030204" pitchFamily="49" charset="0"/>
+              </a:rPr>
+              <a:t>(</a:t>
+            </a:r>
+            <a:r>
+              <a:rPr lang="en-US" dirty="0">
+                <a:solidFill>
+                  <a:srgbClr val="34A7BD"/>
+                </a:solidFill>
+                <a:latin typeface="Consolas" panose="020B0609020204030204" pitchFamily="49" charset="0"/>
+                <a:ea typeface="Times New Roman" panose="02020603050405020304" pitchFamily="18" charset="0"/>
+                <a:cs typeface="Consolas" panose="020B0609020204030204" pitchFamily="49" charset="0"/>
+              </a:rPr>
+              <a:t>dot</a:t>
+            </a:r>
+            <a:r>
+              <a:rPr lang="en-US" dirty="0">
+                <a:solidFill>
+                  <a:srgbClr val="000000"/>
+                </a:solidFill>
+                <a:latin typeface="Consolas" panose="020B0609020204030204" pitchFamily="49" charset="0"/>
+                <a:ea typeface="Times New Roman" panose="02020603050405020304" pitchFamily="18" charset="0"/>
+                <a:cs typeface="Consolas" panose="020B0609020204030204" pitchFamily="49" charset="0"/>
+              </a:rPr>
+              <a:t>(sf, r)) </a:t>
+            </a:r>
+            <a:r>
+              <a:rPr lang="en-US" u="heavy" dirty="0">
+                <a:solidFill>
+                  <a:srgbClr val="C70040"/>
+                </a:solidFill>
+                <a:uFill>
+                  <a:solidFill>
+                    <a:srgbClr val="FF0000"/>
+                  </a:solidFill>
+                </a:uFill>
+                <a:latin typeface="Consolas" panose="020B0609020204030204" pitchFamily="49" charset="0"/>
+                <a:ea typeface="Times New Roman" panose="02020603050405020304" pitchFamily="18" charset="0"/>
+                <a:cs typeface="Consolas" panose="020B0609020204030204" pitchFamily="49" charset="0"/>
+              </a:rPr>
+              <a:t>* </a:t>
+            </a:r>
+            <a:r>
+              <a:rPr lang="en-US" u="heavy" dirty="0">
+                <a:solidFill>
+                  <a:srgbClr val="000000"/>
+                </a:solidFill>
+                <a:uFill>
+                  <a:solidFill>
+                    <a:srgbClr val="FF0000"/>
+                  </a:solidFill>
+                </a:uFill>
+                <a:latin typeface="Consolas" panose="020B0609020204030204" pitchFamily="49" charset="0"/>
+                <a:ea typeface="Times New Roman" panose="02020603050405020304" pitchFamily="18" charset="0"/>
+                <a:cs typeface="Consolas" panose="020B0609020204030204" pitchFamily="49" charset="0"/>
+              </a:rPr>
+              <a:t>sf</a:t>
+            </a:r>
+            <a:r>
+              <a:rPr lang="en-US" dirty="0">
+                <a:solidFill>
+                  <a:srgbClr val="000000"/>
+                </a:solidFill>
+                <a:latin typeface="Consolas" panose="020B0609020204030204" pitchFamily="49" charset="0"/>
+                <a:ea typeface="Times New Roman" panose="02020603050405020304" pitchFamily="18" charset="0"/>
+                <a:cs typeface="Consolas" panose="020B0609020204030204" pitchFamily="49" charset="0"/>
+              </a:rPr>
+              <a:t>;</a:t>
+            </a:r>
+            <a:endParaRPr lang="en-US" dirty="0">
+              <a:latin typeface="Consolas" panose="020B0609020204030204" pitchFamily="49" charset="0"/>
+              <a:ea typeface="Calibri" panose="020F0502020204030204" pitchFamily="34" charset="0"/>
+              <a:cs typeface="Consolas" panose="020B0609020204030204" pitchFamily="49" charset="0"/>
+            </a:endParaRPr>
+          </a:p>
+          <a:p>
+            <a:pPr>
+              <a:lnSpc>
+                <a:spcPct val="107000"/>
+              </a:lnSpc>
+              <a:tabLst>
+                <a:tab pos="581660" algn="l"/>
+                <a:tab pos="1163320" algn="l"/>
+                <a:tab pos="1744980" algn="l"/>
+                <a:tab pos="2326640" algn="l"/>
+                <a:tab pos="2908300" algn="l"/>
+                <a:tab pos="3489960" algn="l"/>
+                <a:tab pos="4071620" algn="l"/>
+                <a:tab pos="4653280" algn="l"/>
+                <a:tab pos="5234940" algn="l"/>
+                <a:tab pos="5816600" algn="l"/>
+                <a:tab pos="6398260" algn="l"/>
+                <a:tab pos="6979920" algn="l"/>
+                <a:tab pos="7561580" algn="l"/>
+                <a:tab pos="8143240" algn="l"/>
+                <a:tab pos="8724900" algn="l"/>
+                <a:tab pos="9306560" algn="l"/>
+              </a:tabLst>
+            </a:pPr>
+            <a:r>
+              <a:rPr lang="en-US" dirty="0">
+                <a:solidFill>
+                  <a:srgbClr val="000000"/>
+                </a:solidFill>
+                <a:latin typeface="Consolas" panose="020B0609020204030204" pitchFamily="49" charset="0"/>
+                <a:ea typeface="Times New Roman" panose="02020603050405020304" pitchFamily="18" charset="0"/>
+                <a:cs typeface="Consolas" panose="020B0609020204030204" pitchFamily="49" charset="0"/>
+              </a:rPr>
+              <a:t>    s </a:t>
+            </a:r>
+            <a:r>
+              <a:rPr lang="en-US" dirty="0">
+                <a:solidFill>
+                  <a:srgbClr val="C70040"/>
+                </a:solidFill>
+                <a:latin typeface="Consolas" panose="020B0609020204030204" pitchFamily="49" charset="0"/>
+                <a:ea typeface="Times New Roman" panose="02020603050405020304" pitchFamily="18" charset="0"/>
+                <a:cs typeface="Consolas" panose="020B0609020204030204" pitchFamily="49" charset="0"/>
+              </a:rPr>
+              <a:t>= </a:t>
+            </a:r>
+            <a:r>
+              <a:rPr lang="en-US" dirty="0">
+                <a:solidFill>
+                  <a:srgbClr val="000000"/>
+                </a:solidFill>
+                <a:latin typeface="Consolas" panose="020B0609020204030204" pitchFamily="49" charset="0"/>
+                <a:ea typeface="Times New Roman" panose="02020603050405020304" pitchFamily="18" charset="0"/>
+                <a:cs typeface="Consolas" panose="020B0609020204030204" pitchFamily="49" charset="0"/>
+              </a:rPr>
+              <a:t>s </a:t>
+            </a:r>
+            <a:r>
+              <a:rPr lang="en-US" dirty="0">
+                <a:solidFill>
+                  <a:srgbClr val="C70040"/>
+                </a:solidFill>
+                <a:latin typeface="Consolas" panose="020B0609020204030204" pitchFamily="49" charset="0"/>
+                <a:ea typeface="Times New Roman" panose="02020603050405020304" pitchFamily="18" charset="0"/>
+                <a:cs typeface="Consolas" panose="020B0609020204030204" pitchFamily="49" charset="0"/>
+              </a:rPr>
+              <a:t>&gt;&gt; </a:t>
+            </a:r>
+            <a:r>
+              <a:rPr lang="en-US" dirty="0">
+                <a:solidFill>
+                  <a:srgbClr val="7C4FCD"/>
+                </a:solidFill>
+                <a:latin typeface="Consolas" panose="020B0609020204030204" pitchFamily="49" charset="0"/>
+                <a:ea typeface="Times New Roman" panose="02020603050405020304" pitchFamily="18" charset="0"/>
+                <a:cs typeface="Consolas" panose="020B0609020204030204" pitchFamily="49" charset="0"/>
+              </a:rPr>
+              <a:t>1</a:t>
+            </a:r>
+            <a:r>
+              <a:rPr lang="en-US" dirty="0">
+                <a:solidFill>
+                  <a:srgbClr val="000000"/>
+                </a:solidFill>
+                <a:latin typeface="Consolas" panose="020B0609020204030204" pitchFamily="49" charset="0"/>
+                <a:ea typeface="Times New Roman" panose="02020603050405020304" pitchFamily="18" charset="0"/>
+                <a:cs typeface="Consolas" panose="020B0609020204030204" pitchFamily="49" charset="0"/>
+              </a:rPr>
+              <a:t>;</a:t>
+            </a:r>
+            <a:endParaRPr lang="en-US" dirty="0">
+              <a:latin typeface="Consolas" panose="020B0609020204030204" pitchFamily="49" charset="0"/>
+              <a:ea typeface="Calibri" panose="020F0502020204030204" pitchFamily="34" charset="0"/>
+              <a:cs typeface="Consolas" panose="020B0609020204030204" pitchFamily="49" charset="0"/>
+            </a:endParaRPr>
+          </a:p>
+          <a:p>
+            <a:pPr>
+              <a:lnSpc>
+                <a:spcPct val="107000"/>
+              </a:lnSpc>
+              <a:tabLst>
+                <a:tab pos="581660" algn="l"/>
+                <a:tab pos="1163320" algn="l"/>
+                <a:tab pos="1744980" algn="l"/>
+                <a:tab pos="2326640" algn="l"/>
+                <a:tab pos="2908300" algn="l"/>
+                <a:tab pos="3489960" algn="l"/>
+                <a:tab pos="4071620" algn="l"/>
+                <a:tab pos="4653280" algn="l"/>
+                <a:tab pos="5234940" algn="l"/>
+                <a:tab pos="5816600" algn="l"/>
+                <a:tab pos="6398260" algn="l"/>
+                <a:tab pos="6979920" algn="l"/>
+                <a:tab pos="7561580" algn="l"/>
+                <a:tab pos="8143240" algn="l"/>
+                <a:tab pos="8724900" algn="l"/>
+                <a:tab pos="9306560" algn="l"/>
+              </a:tabLst>
+            </a:pPr>
+            <a:r>
+              <a:rPr lang="en-US" dirty="0">
+                <a:solidFill>
+                  <a:srgbClr val="000000"/>
+                </a:solidFill>
+                <a:latin typeface="Consolas" panose="020B0609020204030204" pitchFamily="49" charset="0"/>
+                <a:ea typeface="Times New Roman" panose="02020603050405020304" pitchFamily="18" charset="0"/>
+                <a:cs typeface="Consolas" panose="020B0609020204030204" pitchFamily="49" charset="0"/>
+              </a:rPr>
+              <a:t>  }</a:t>
+            </a:r>
+            <a:endParaRPr lang="en-US" dirty="0">
+              <a:latin typeface="Consolas" panose="020B0609020204030204" pitchFamily="49" charset="0"/>
+              <a:ea typeface="Calibri" panose="020F0502020204030204" pitchFamily="34" charset="0"/>
+              <a:cs typeface="Consolas" panose="020B0609020204030204" pitchFamily="49" charset="0"/>
+            </a:endParaRPr>
+          </a:p>
+          <a:p>
+            <a:pPr>
+              <a:lnSpc>
+                <a:spcPct val="107000"/>
+              </a:lnSpc>
+              <a:tabLst>
+                <a:tab pos="581660" algn="l"/>
+                <a:tab pos="1163320" algn="l"/>
+                <a:tab pos="1744980" algn="l"/>
+                <a:tab pos="2326640" algn="l"/>
+                <a:tab pos="2908300" algn="l"/>
+                <a:tab pos="3489960" algn="l"/>
+                <a:tab pos="4071620" algn="l"/>
+                <a:tab pos="4653280" algn="l"/>
+                <a:tab pos="5234940" algn="l"/>
+                <a:tab pos="5816600" algn="l"/>
+                <a:tab pos="6398260" algn="l"/>
+                <a:tab pos="6979920" algn="l"/>
+                <a:tab pos="7561580" algn="l"/>
+                <a:tab pos="8143240" algn="l"/>
+                <a:tab pos="8724900" algn="l"/>
+                <a:tab pos="9306560" algn="l"/>
+              </a:tabLst>
+            </a:pPr>
+            <a:r>
+              <a:rPr lang="en-US" dirty="0">
+                <a:solidFill>
+                  <a:srgbClr val="000000"/>
+                </a:solidFill>
+                <a:latin typeface="Consolas" panose="020B0609020204030204" pitchFamily="49" charset="0"/>
+                <a:ea typeface="Times New Roman" panose="02020603050405020304" pitchFamily="18" charset="0"/>
+                <a:cs typeface="Consolas" panose="020B0609020204030204" pitchFamily="49" charset="0"/>
+              </a:rPr>
+              <a:t>  </a:t>
+            </a:r>
+            <a:r>
+              <a:rPr lang="en-US" dirty="0">
+                <a:solidFill>
+                  <a:srgbClr val="C70040"/>
+                </a:solidFill>
+                <a:latin typeface="Consolas" panose="020B0609020204030204" pitchFamily="49" charset="0"/>
+                <a:ea typeface="Times New Roman" panose="02020603050405020304" pitchFamily="18" charset="0"/>
+                <a:cs typeface="Consolas" panose="020B0609020204030204" pitchFamily="49" charset="0"/>
+              </a:rPr>
+              <a:t>return </a:t>
+            </a:r>
+            <a:r>
+              <a:rPr lang="en-US" dirty="0">
+                <a:solidFill>
+                  <a:srgbClr val="000000"/>
+                </a:solidFill>
+                <a:latin typeface="Consolas" panose="020B0609020204030204" pitchFamily="49" charset="0"/>
+                <a:ea typeface="Times New Roman" panose="02020603050405020304" pitchFamily="18" charset="0"/>
+                <a:cs typeface="Consolas" panose="020B0609020204030204" pitchFamily="49" charset="0"/>
+              </a:rPr>
+              <a:t>f;</a:t>
+            </a:r>
+            <a:endParaRPr lang="en-US" dirty="0">
+              <a:latin typeface="Consolas" panose="020B0609020204030204" pitchFamily="49" charset="0"/>
+              <a:ea typeface="Calibri" panose="020F0502020204030204" pitchFamily="34" charset="0"/>
+              <a:cs typeface="Consolas" panose="020B0609020204030204" pitchFamily="49" charset="0"/>
+            </a:endParaRPr>
+          </a:p>
+          <a:p>
+            <a:pPr>
+              <a:lnSpc>
+                <a:spcPct val="107000"/>
+              </a:lnSpc>
+              <a:tabLst>
+                <a:tab pos="581660" algn="l"/>
+                <a:tab pos="1163320" algn="l"/>
+                <a:tab pos="1744980" algn="l"/>
+                <a:tab pos="2326640" algn="l"/>
+                <a:tab pos="2908300" algn="l"/>
+                <a:tab pos="3489960" algn="l"/>
+                <a:tab pos="4071620" algn="l"/>
+                <a:tab pos="4653280" algn="l"/>
+                <a:tab pos="5234940" algn="l"/>
+                <a:tab pos="5816600" algn="l"/>
+                <a:tab pos="6398260" algn="l"/>
+                <a:tab pos="6979920" algn="l"/>
+                <a:tab pos="7561580" algn="l"/>
+                <a:tab pos="8143240" algn="l"/>
+                <a:tab pos="8724900" algn="l"/>
+                <a:tab pos="9306560" algn="l"/>
+              </a:tabLst>
+            </a:pPr>
+            <a:r>
+              <a:rPr lang="en-US" dirty="0">
+                <a:solidFill>
+                  <a:srgbClr val="000000"/>
+                </a:solidFill>
+                <a:latin typeface="Consolas" panose="020B0609020204030204" pitchFamily="49" charset="0"/>
+                <a:ea typeface="Times New Roman" panose="02020603050405020304" pitchFamily="18" charset="0"/>
+                <a:cs typeface="Consolas" panose="020B0609020204030204" pitchFamily="49" charset="0"/>
+              </a:rPr>
+              <a:t>}</a:t>
+            </a:r>
+            <a:endParaRPr lang="en-US" dirty="0">
+              <a:latin typeface="Consolas" panose="020B0609020204030204" pitchFamily="49" charset="0"/>
+              <a:ea typeface="Calibri" panose="020F0502020204030204" pitchFamily="34" charset="0"/>
+              <a:cs typeface="Consolas" panose="020B0609020204030204" pitchFamily="49" charset="0"/>
+            </a:endParaRPr>
+          </a:p>
+        </p:txBody>
+      </p:sp>
+      <p:sp>
+        <p:nvSpPr>
+          <p:cNvPr id="6" name="Téglalap 4"/>
+          <p:cNvSpPr/>
+          <p:nvPr/>
+        </p:nvSpPr>
+        <p:spPr>
+          <a:xfrm>
+            <a:off x="1524001" y="1762126"/>
+            <a:ext cx="4552951" cy="5095875"/>
+          </a:xfrm>
+          <a:prstGeom prst="rect">
+            <a:avLst/>
+          </a:prstGeom>
+          <a:solidFill>
+            <a:schemeClr val="accent2">
+              <a:lumMod val="20000"/>
+              <a:lumOff val="80000"/>
+            </a:schemeClr>
+          </a:solidFill>
+        </p:spPr>
+        <p:style>
+          <a:lnRef idx="2">
+            <a:schemeClr val="accent1">
+              <a:shade val="50000"/>
+            </a:schemeClr>
+          </a:lnRef>
+          <a:fillRef idx="1">
+            <a:schemeClr val="accent1"/>
+          </a:fillRef>
+          <a:effectRef idx="0">
+            <a:schemeClr val="accent1"/>
+          </a:effectRef>
+          <a:fontRef idx="minor">
+            <a:schemeClr val="lt1"/>
+          </a:fontRef>
+        </p:style>
+        <p:txBody>
+          <a:bodyPr rtlCol="0" anchor="ctr"/>
+          <a:lstStyle/>
+          <a:p>
+            <a:pPr>
+              <a:lnSpc>
+                <a:spcPct val="107000"/>
+              </a:lnSpc>
+              <a:tabLst>
+                <a:tab pos="581660" algn="l"/>
+                <a:tab pos="1163320" algn="l"/>
+                <a:tab pos="1744980" algn="l"/>
+                <a:tab pos="2326640" algn="l"/>
+                <a:tab pos="2908300" algn="l"/>
+                <a:tab pos="3489960" algn="l"/>
+                <a:tab pos="4071620" algn="l"/>
+                <a:tab pos="4653280" algn="l"/>
+                <a:tab pos="5234940" algn="l"/>
+                <a:tab pos="5816600" algn="l"/>
+                <a:tab pos="6398260" algn="l"/>
+                <a:tab pos="6979920" algn="l"/>
+                <a:tab pos="7561580" algn="l"/>
+                <a:tab pos="8143240" algn="l"/>
+                <a:tab pos="8724900" algn="l"/>
+                <a:tab pos="9306560" algn="l"/>
+              </a:tabLst>
+            </a:pPr>
+            <a:r>
+              <a:rPr lang="en-US" i="1" dirty="0">
+                <a:solidFill>
+                  <a:srgbClr val="34A7BD"/>
+                </a:solidFill>
+                <a:latin typeface="Consolas" panose="020B0609020204030204" pitchFamily="49" charset="0"/>
+                <a:ea typeface="Times New Roman" panose="02020603050405020304" pitchFamily="18" charset="0"/>
+                <a:cs typeface="Consolas" panose="020B0609020204030204" pitchFamily="49" charset="0"/>
+              </a:rPr>
+              <a:t>float </a:t>
+            </a:r>
+            <a:r>
+              <a:rPr lang="en-US" dirty="0">
+                <a:solidFill>
+                  <a:srgbClr val="427E00"/>
+                </a:solidFill>
+                <a:latin typeface="Consolas" panose="020B0609020204030204" pitchFamily="49" charset="0"/>
+                <a:ea typeface="Times New Roman" panose="02020603050405020304" pitchFamily="18" charset="0"/>
+                <a:cs typeface="Consolas" panose="020B0609020204030204" pitchFamily="49" charset="0"/>
+              </a:rPr>
+              <a:t>noise</a:t>
+            </a:r>
+            <a:r>
+              <a:rPr lang="en-US" dirty="0">
+                <a:solidFill>
+                  <a:srgbClr val="000000"/>
+                </a:solidFill>
+                <a:latin typeface="Consolas" panose="020B0609020204030204" pitchFamily="49" charset="0"/>
+                <a:ea typeface="Times New Roman" panose="02020603050405020304" pitchFamily="18" charset="0"/>
+                <a:cs typeface="Consolas" panose="020B0609020204030204" pitchFamily="49" charset="0"/>
+              </a:rPr>
+              <a:t>(</a:t>
+            </a:r>
+            <a:r>
+              <a:rPr lang="en-US" i="1" dirty="0">
+                <a:solidFill>
+                  <a:srgbClr val="34A7BD"/>
+                </a:solidFill>
+                <a:latin typeface="Consolas" panose="020B0609020204030204" pitchFamily="49" charset="0"/>
+                <a:ea typeface="Times New Roman" panose="02020603050405020304" pitchFamily="18" charset="0"/>
+                <a:cs typeface="Consolas" panose="020B0609020204030204" pitchFamily="49" charset="0"/>
+              </a:rPr>
+              <a:t>vec3 </a:t>
+            </a:r>
+            <a:r>
+              <a:rPr lang="en-US" i="1" dirty="0">
+                <a:solidFill>
+                  <a:srgbClr val="CB6500"/>
+                </a:solidFill>
+                <a:latin typeface="Consolas" panose="020B0609020204030204" pitchFamily="49" charset="0"/>
+                <a:ea typeface="Times New Roman" panose="02020603050405020304" pitchFamily="18" charset="0"/>
+                <a:cs typeface="Consolas" panose="020B0609020204030204" pitchFamily="49" charset="0"/>
+              </a:rPr>
+              <a:t>r</a:t>
+            </a:r>
+            <a:r>
+              <a:rPr lang="en-US" dirty="0">
+                <a:solidFill>
+                  <a:srgbClr val="000000"/>
+                </a:solidFill>
+                <a:latin typeface="Consolas" panose="020B0609020204030204" pitchFamily="49" charset="0"/>
+                <a:ea typeface="Times New Roman" panose="02020603050405020304" pitchFamily="18" charset="0"/>
+                <a:cs typeface="Consolas" panose="020B0609020204030204" pitchFamily="49" charset="0"/>
+              </a:rPr>
+              <a:t>) {</a:t>
+            </a:r>
+            <a:endParaRPr lang="en-US" dirty="0">
+              <a:solidFill>
+                <a:prstClr val="white"/>
+              </a:solidFill>
+              <a:latin typeface="Consolas" panose="020B0609020204030204" pitchFamily="49" charset="0"/>
+              <a:ea typeface="Calibri" panose="020F0502020204030204" pitchFamily="34" charset="0"/>
+              <a:cs typeface="Consolas" panose="020B0609020204030204" pitchFamily="49" charset="0"/>
+            </a:endParaRPr>
+          </a:p>
+          <a:p>
+            <a:pPr>
+              <a:lnSpc>
+                <a:spcPct val="107000"/>
+              </a:lnSpc>
+              <a:tabLst>
+                <a:tab pos="581660" algn="l"/>
+                <a:tab pos="1163320" algn="l"/>
+                <a:tab pos="1744980" algn="l"/>
+                <a:tab pos="2326640" algn="l"/>
+                <a:tab pos="2908300" algn="l"/>
+                <a:tab pos="3489960" algn="l"/>
+                <a:tab pos="4071620" algn="l"/>
+                <a:tab pos="4653280" algn="l"/>
+                <a:tab pos="5234940" algn="l"/>
+                <a:tab pos="5816600" algn="l"/>
+                <a:tab pos="6398260" algn="l"/>
+                <a:tab pos="6979920" algn="l"/>
+                <a:tab pos="7561580" algn="l"/>
+                <a:tab pos="8143240" algn="l"/>
+                <a:tab pos="8724900" algn="l"/>
+                <a:tab pos="9306560" algn="l"/>
+              </a:tabLst>
+            </a:pPr>
+            <a:r>
+              <a:rPr lang="en-US" dirty="0">
+                <a:solidFill>
+                  <a:srgbClr val="000000"/>
+                </a:solidFill>
+                <a:latin typeface="Consolas" panose="020B0609020204030204" pitchFamily="49" charset="0"/>
+                <a:ea typeface="Times New Roman" panose="02020603050405020304" pitchFamily="18" charset="0"/>
+                <a:cs typeface="Consolas" panose="020B0609020204030204" pitchFamily="49" charset="0"/>
+              </a:rPr>
+              <a:t>  </a:t>
+            </a:r>
+            <a:r>
+              <a:rPr lang="en-US" i="1" dirty="0">
+                <a:solidFill>
+                  <a:srgbClr val="34A7BD"/>
+                </a:solidFill>
+                <a:latin typeface="Consolas" panose="020B0609020204030204" pitchFamily="49" charset="0"/>
+                <a:ea typeface="Times New Roman" panose="02020603050405020304" pitchFamily="18" charset="0"/>
+                <a:cs typeface="Consolas" panose="020B0609020204030204" pitchFamily="49" charset="0"/>
+              </a:rPr>
+              <a:t>uvec3 </a:t>
+            </a:r>
+            <a:r>
+              <a:rPr lang="en-US" dirty="0">
+                <a:solidFill>
+                  <a:srgbClr val="000000"/>
+                </a:solidFill>
+                <a:latin typeface="Consolas" panose="020B0609020204030204" pitchFamily="49" charset="0"/>
+                <a:ea typeface="Times New Roman" panose="02020603050405020304" pitchFamily="18" charset="0"/>
+                <a:cs typeface="Consolas" panose="020B0609020204030204" pitchFamily="49" charset="0"/>
+              </a:rPr>
+              <a:t>s </a:t>
+            </a:r>
+            <a:r>
+              <a:rPr lang="en-US" dirty="0">
+                <a:solidFill>
+                  <a:srgbClr val="C70040"/>
+                </a:solidFill>
+                <a:latin typeface="Consolas" panose="020B0609020204030204" pitchFamily="49" charset="0"/>
+                <a:ea typeface="Times New Roman" panose="02020603050405020304" pitchFamily="18" charset="0"/>
+                <a:cs typeface="Consolas" panose="020B0609020204030204" pitchFamily="49" charset="0"/>
+              </a:rPr>
+              <a:t>=</a:t>
+            </a:r>
+            <a:r>
+              <a:rPr lang="en-US" dirty="0">
+                <a:solidFill>
+                  <a:prstClr val="white"/>
+                </a:solidFill>
+                <a:latin typeface="Consolas" panose="020B0609020204030204" pitchFamily="49" charset="0"/>
+                <a:ea typeface="Times New Roman" panose="02020603050405020304" pitchFamily="18" charset="0"/>
+                <a:cs typeface="Consolas" panose="020B0609020204030204" pitchFamily="49" charset="0"/>
+              </a:rPr>
+              <a:t> </a:t>
+            </a:r>
+            <a:r>
+              <a:rPr lang="en-US" i="1" dirty="0">
+                <a:solidFill>
+                  <a:srgbClr val="34A7BD"/>
+                </a:solidFill>
+                <a:latin typeface="Consolas" panose="020B0609020204030204" pitchFamily="49" charset="0"/>
+                <a:ea typeface="Times New Roman" panose="02020603050405020304" pitchFamily="18" charset="0"/>
+                <a:cs typeface="Consolas" panose="020B0609020204030204" pitchFamily="49" charset="0"/>
+              </a:rPr>
+              <a:t>uvec3</a:t>
+            </a:r>
+            <a:r>
+              <a:rPr lang="en-US" dirty="0">
+                <a:solidFill>
+                  <a:srgbClr val="000000"/>
+                </a:solidFill>
+                <a:latin typeface="Consolas" panose="020B0609020204030204" pitchFamily="49" charset="0"/>
+                <a:ea typeface="Times New Roman" panose="02020603050405020304" pitchFamily="18" charset="0"/>
+                <a:cs typeface="Consolas" panose="020B0609020204030204" pitchFamily="49" charset="0"/>
+              </a:rPr>
+              <a:t>(</a:t>
+            </a:r>
+          </a:p>
+          <a:p>
+            <a:pPr>
+              <a:lnSpc>
+                <a:spcPct val="107000"/>
+              </a:lnSpc>
+              <a:tabLst>
+                <a:tab pos="581660" algn="l"/>
+                <a:tab pos="1163320" algn="l"/>
+                <a:tab pos="1744980" algn="l"/>
+                <a:tab pos="2326640" algn="l"/>
+                <a:tab pos="2908300" algn="l"/>
+                <a:tab pos="3489960" algn="l"/>
+                <a:tab pos="4071620" algn="l"/>
+                <a:tab pos="4653280" algn="l"/>
+                <a:tab pos="5234940" algn="l"/>
+                <a:tab pos="5816600" algn="l"/>
+                <a:tab pos="6398260" algn="l"/>
+                <a:tab pos="6979920" algn="l"/>
+                <a:tab pos="7561580" algn="l"/>
+                <a:tab pos="8143240" algn="l"/>
+                <a:tab pos="8724900" algn="l"/>
+                <a:tab pos="9306560" algn="l"/>
+              </a:tabLst>
+            </a:pPr>
+            <a:r>
+              <a:rPr lang="en-US" dirty="0">
+                <a:solidFill>
+                  <a:srgbClr val="7C4FCD"/>
+                </a:solidFill>
+                <a:latin typeface="Consolas" panose="020B0609020204030204" pitchFamily="49" charset="0"/>
+                <a:ea typeface="Times New Roman" panose="02020603050405020304" pitchFamily="18" charset="0"/>
+                <a:cs typeface="Consolas" panose="020B0609020204030204" pitchFamily="49" charset="0"/>
+              </a:rPr>
+              <a:t>    0x1D4E1D4E</a:t>
+            </a:r>
+            <a:r>
+              <a:rPr lang="en-US" dirty="0">
+                <a:solidFill>
+                  <a:srgbClr val="000000"/>
+                </a:solidFill>
+                <a:latin typeface="Consolas" panose="020B0609020204030204" pitchFamily="49" charset="0"/>
+                <a:ea typeface="Times New Roman" panose="02020603050405020304" pitchFamily="18" charset="0"/>
+                <a:cs typeface="Consolas" panose="020B0609020204030204" pitchFamily="49" charset="0"/>
+              </a:rPr>
+              <a:t>,</a:t>
+            </a:r>
+          </a:p>
+          <a:p>
+            <a:pPr>
+              <a:lnSpc>
+                <a:spcPct val="107000"/>
+              </a:lnSpc>
+              <a:tabLst>
+                <a:tab pos="581660" algn="l"/>
+                <a:tab pos="1163320" algn="l"/>
+                <a:tab pos="1744980" algn="l"/>
+                <a:tab pos="2326640" algn="l"/>
+                <a:tab pos="2908300" algn="l"/>
+                <a:tab pos="3489960" algn="l"/>
+                <a:tab pos="4071620" algn="l"/>
+                <a:tab pos="4653280" algn="l"/>
+                <a:tab pos="5234940" algn="l"/>
+                <a:tab pos="5816600" algn="l"/>
+                <a:tab pos="6398260" algn="l"/>
+                <a:tab pos="6979920" algn="l"/>
+                <a:tab pos="7561580" algn="l"/>
+                <a:tab pos="8143240" algn="l"/>
+                <a:tab pos="8724900" algn="l"/>
+                <a:tab pos="9306560" algn="l"/>
+              </a:tabLst>
+            </a:pPr>
+            <a:r>
+              <a:rPr lang="en-US" dirty="0">
+                <a:solidFill>
+                  <a:srgbClr val="000000"/>
+                </a:solidFill>
+                <a:latin typeface="Consolas" panose="020B0609020204030204" pitchFamily="49" charset="0"/>
+                <a:ea typeface="Times New Roman" panose="02020603050405020304" pitchFamily="18" charset="0"/>
+                <a:cs typeface="Consolas" panose="020B0609020204030204" pitchFamily="49" charset="0"/>
+              </a:rPr>
+              <a:t>    </a:t>
+            </a:r>
+            <a:r>
+              <a:rPr lang="en-US" dirty="0">
+                <a:solidFill>
+                  <a:srgbClr val="7C4FCD"/>
+                </a:solidFill>
+                <a:latin typeface="Consolas" panose="020B0609020204030204" pitchFamily="49" charset="0"/>
+                <a:ea typeface="Times New Roman" panose="02020603050405020304" pitchFamily="18" charset="0"/>
+                <a:cs typeface="Consolas" panose="020B0609020204030204" pitchFamily="49" charset="0"/>
+              </a:rPr>
+              <a:t>0x58F958F9</a:t>
+            </a:r>
+            <a:r>
+              <a:rPr lang="en-US" dirty="0">
+                <a:solidFill>
+                  <a:srgbClr val="000000"/>
+                </a:solidFill>
+                <a:latin typeface="Consolas" panose="020B0609020204030204" pitchFamily="49" charset="0"/>
+                <a:ea typeface="Times New Roman" panose="02020603050405020304" pitchFamily="18" charset="0"/>
+                <a:cs typeface="Consolas" panose="020B0609020204030204" pitchFamily="49" charset="0"/>
+              </a:rPr>
+              <a:t>,</a:t>
+            </a:r>
+          </a:p>
+          <a:p>
+            <a:pPr>
+              <a:lnSpc>
+                <a:spcPct val="107000"/>
+              </a:lnSpc>
+              <a:tabLst>
+                <a:tab pos="581660" algn="l"/>
+                <a:tab pos="1163320" algn="l"/>
+                <a:tab pos="1744980" algn="l"/>
+                <a:tab pos="2326640" algn="l"/>
+                <a:tab pos="2908300" algn="l"/>
+                <a:tab pos="3489960" algn="l"/>
+                <a:tab pos="4071620" algn="l"/>
+                <a:tab pos="4653280" algn="l"/>
+                <a:tab pos="5234940" algn="l"/>
+                <a:tab pos="5816600" algn="l"/>
+                <a:tab pos="6398260" algn="l"/>
+                <a:tab pos="6979920" algn="l"/>
+                <a:tab pos="7561580" algn="l"/>
+                <a:tab pos="8143240" algn="l"/>
+                <a:tab pos="8724900" algn="l"/>
+                <a:tab pos="9306560" algn="l"/>
+              </a:tabLst>
+            </a:pPr>
+            <a:r>
+              <a:rPr lang="en-US" dirty="0">
+                <a:solidFill>
+                  <a:srgbClr val="000000"/>
+                </a:solidFill>
+                <a:latin typeface="Consolas" panose="020B0609020204030204" pitchFamily="49" charset="0"/>
+                <a:ea typeface="Times New Roman" panose="02020603050405020304" pitchFamily="18" charset="0"/>
+                <a:cs typeface="Consolas" panose="020B0609020204030204" pitchFamily="49" charset="0"/>
+              </a:rPr>
+              <a:t>    </a:t>
+            </a:r>
+            <a:r>
+              <a:rPr lang="en-US" dirty="0">
+                <a:solidFill>
+                  <a:srgbClr val="7C4FCD"/>
+                </a:solidFill>
+                <a:latin typeface="Consolas" panose="020B0609020204030204" pitchFamily="49" charset="0"/>
+                <a:ea typeface="Times New Roman" panose="02020603050405020304" pitchFamily="18" charset="0"/>
+                <a:cs typeface="Consolas" panose="020B0609020204030204" pitchFamily="49" charset="0"/>
+              </a:rPr>
+              <a:t>0x129F129F</a:t>
+            </a:r>
+            <a:r>
+              <a:rPr lang="en-US" dirty="0">
+                <a:solidFill>
+                  <a:srgbClr val="000000"/>
+                </a:solidFill>
+                <a:latin typeface="Consolas" panose="020B0609020204030204" pitchFamily="49" charset="0"/>
+                <a:ea typeface="Times New Roman" panose="02020603050405020304" pitchFamily="18" charset="0"/>
+                <a:cs typeface="Consolas" panose="020B0609020204030204" pitchFamily="49" charset="0"/>
+              </a:rPr>
+              <a:t>);</a:t>
+            </a:r>
+            <a:endParaRPr lang="en-US" dirty="0">
+              <a:solidFill>
+                <a:prstClr val="white"/>
+              </a:solidFill>
+              <a:latin typeface="Consolas" panose="020B0609020204030204" pitchFamily="49" charset="0"/>
+              <a:ea typeface="Calibri" panose="020F0502020204030204" pitchFamily="34" charset="0"/>
+              <a:cs typeface="Consolas" panose="020B0609020204030204" pitchFamily="49" charset="0"/>
+            </a:endParaRPr>
+          </a:p>
+          <a:p>
+            <a:pPr>
+              <a:lnSpc>
+                <a:spcPct val="107000"/>
+              </a:lnSpc>
+              <a:tabLst>
+                <a:tab pos="581660" algn="l"/>
+                <a:tab pos="1163320" algn="l"/>
+                <a:tab pos="1744980" algn="l"/>
+                <a:tab pos="2326640" algn="l"/>
+                <a:tab pos="2908300" algn="l"/>
+                <a:tab pos="3489960" algn="l"/>
+                <a:tab pos="4071620" algn="l"/>
+                <a:tab pos="4653280" algn="l"/>
+                <a:tab pos="5234940" algn="l"/>
+                <a:tab pos="5816600" algn="l"/>
+                <a:tab pos="6398260" algn="l"/>
+                <a:tab pos="6979920" algn="l"/>
+                <a:tab pos="7561580" algn="l"/>
+                <a:tab pos="8143240" algn="l"/>
+                <a:tab pos="8724900" algn="l"/>
+                <a:tab pos="9306560" algn="l"/>
+              </a:tabLst>
+            </a:pPr>
+            <a:r>
+              <a:rPr lang="en-US" dirty="0">
+                <a:solidFill>
+                  <a:srgbClr val="000000"/>
+                </a:solidFill>
+                <a:latin typeface="Consolas" panose="020B0609020204030204" pitchFamily="49" charset="0"/>
+                <a:ea typeface="Times New Roman" panose="02020603050405020304" pitchFamily="18" charset="0"/>
+                <a:cs typeface="Consolas" panose="020B0609020204030204" pitchFamily="49" charset="0"/>
+              </a:rPr>
+              <a:t>  </a:t>
+            </a:r>
+            <a:r>
+              <a:rPr lang="en-US" i="1" dirty="0">
+                <a:solidFill>
+                  <a:srgbClr val="34A7BD"/>
+                </a:solidFill>
+                <a:latin typeface="Consolas" panose="020B0609020204030204" pitchFamily="49" charset="0"/>
+                <a:ea typeface="Times New Roman" panose="02020603050405020304" pitchFamily="18" charset="0"/>
+                <a:cs typeface="Consolas" panose="020B0609020204030204" pitchFamily="49" charset="0"/>
+              </a:rPr>
+              <a:t>float </a:t>
+            </a:r>
+            <a:r>
+              <a:rPr lang="en-US" dirty="0">
+                <a:solidFill>
+                  <a:srgbClr val="000000"/>
+                </a:solidFill>
+                <a:latin typeface="Consolas" panose="020B0609020204030204" pitchFamily="49" charset="0"/>
+                <a:ea typeface="Times New Roman" panose="02020603050405020304" pitchFamily="18" charset="0"/>
+                <a:cs typeface="Consolas" panose="020B0609020204030204" pitchFamily="49" charset="0"/>
+              </a:rPr>
+              <a:t>f </a:t>
+            </a:r>
+            <a:r>
+              <a:rPr lang="en-US" dirty="0">
+                <a:solidFill>
+                  <a:srgbClr val="C70040"/>
+                </a:solidFill>
+                <a:latin typeface="Consolas" panose="020B0609020204030204" pitchFamily="49" charset="0"/>
+                <a:ea typeface="Times New Roman" panose="02020603050405020304" pitchFamily="18" charset="0"/>
+                <a:cs typeface="Consolas" panose="020B0609020204030204" pitchFamily="49" charset="0"/>
+              </a:rPr>
+              <a:t>= </a:t>
+            </a:r>
+            <a:r>
+              <a:rPr lang="en-US" dirty="0">
+                <a:solidFill>
+                  <a:srgbClr val="7C4FCD"/>
+                </a:solidFill>
+                <a:latin typeface="Consolas" panose="020B0609020204030204" pitchFamily="49" charset="0"/>
+                <a:ea typeface="Times New Roman" panose="02020603050405020304" pitchFamily="18" charset="0"/>
+                <a:cs typeface="Consolas" panose="020B0609020204030204" pitchFamily="49" charset="0"/>
+              </a:rPr>
+              <a:t>0</a:t>
+            </a:r>
+            <a:r>
+              <a:rPr lang="en-US" dirty="0">
+                <a:solidFill>
+                  <a:srgbClr val="000000"/>
+                </a:solidFill>
+                <a:latin typeface="Consolas" panose="020B0609020204030204" pitchFamily="49" charset="0"/>
+                <a:ea typeface="Times New Roman" panose="02020603050405020304" pitchFamily="18" charset="0"/>
+                <a:cs typeface="Consolas" panose="020B0609020204030204" pitchFamily="49" charset="0"/>
+              </a:rPr>
+              <a:t>.0;</a:t>
+            </a:r>
+            <a:endParaRPr lang="en-US" dirty="0">
+              <a:solidFill>
+                <a:prstClr val="white"/>
+              </a:solidFill>
+              <a:latin typeface="Consolas" panose="020B0609020204030204" pitchFamily="49" charset="0"/>
+              <a:ea typeface="Calibri" panose="020F0502020204030204" pitchFamily="34" charset="0"/>
+              <a:cs typeface="Consolas" panose="020B0609020204030204" pitchFamily="49" charset="0"/>
+            </a:endParaRPr>
+          </a:p>
+          <a:p>
+            <a:pPr>
+              <a:lnSpc>
+                <a:spcPct val="107000"/>
+              </a:lnSpc>
+              <a:tabLst>
+                <a:tab pos="581660" algn="l"/>
+                <a:tab pos="1163320" algn="l"/>
+                <a:tab pos="1744980" algn="l"/>
+                <a:tab pos="2326640" algn="l"/>
+                <a:tab pos="2908300" algn="l"/>
+                <a:tab pos="3489960" algn="l"/>
+                <a:tab pos="4071620" algn="l"/>
+                <a:tab pos="4653280" algn="l"/>
+                <a:tab pos="5234940" algn="l"/>
+                <a:tab pos="5816600" algn="l"/>
+                <a:tab pos="6398260" algn="l"/>
+                <a:tab pos="6979920" algn="l"/>
+                <a:tab pos="7561580" algn="l"/>
+                <a:tab pos="8143240" algn="l"/>
+                <a:tab pos="8724900" algn="l"/>
+                <a:tab pos="9306560" algn="l"/>
+              </a:tabLst>
+            </a:pPr>
+            <a:r>
+              <a:rPr lang="en-US" dirty="0">
+                <a:solidFill>
+                  <a:srgbClr val="000000"/>
+                </a:solidFill>
+                <a:latin typeface="Consolas" panose="020B0609020204030204" pitchFamily="49" charset="0"/>
+                <a:ea typeface="Times New Roman" panose="02020603050405020304" pitchFamily="18" charset="0"/>
+                <a:cs typeface="Consolas" panose="020B0609020204030204" pitchFamily="49" charset="0"/>
+              </a:rPr>
+              <a:t>  </a:t>
+            </a:r>
+            <a:r>
+              <a:rPr lang="en-US" dirty="0">
+                <a:solidFill>
+                  <a:srgbClr val="C70040"/>
+                </a:solidFill>
+                <a:latin typeface="Consolas" panose="020B0609020204030204" pitchFamily="49" charset="0"/>
+                <a:ea typeface="Times New Roman" panose="02020603050405020304" pitchFamily="18" charset="0"/>
+                <a:cs typeface="Consolas" panose="020B0609020204030204" pitchFamily="49" charset="0"/>
+              </a:rPr>
+              <a:t>for</a:t>
+            </a:r>
+            <a:r>
+              <a:rPr lang="en-US" dirty="0">
+                <a:solidFill>
+                  <a:srgbClr val="000000"/>
+                </a:solidFill>
+                <a:latin typeface="Consolas" panose="020B0609020204030204" pitchFamily="49" charset="0"/>
+                <a:ea typeface="Times New Roman" panose="02020603050405020304" pitchFamily="18" charset="0"/>
+                <a:cs typeface="Consolas" panose="020B0609020204030204" pitchFamily="49" charset="0"/>
+              </a:rPr>
+              <a:t>(</a:t>
+            </a:r>
+            <a:r>
+              <a:rPr lang="en-US" i="1" dirty="0" err="1">
+                <a:solidFill>
+                  <a:srgbClr val="34A7BD"/>
+                </a:solidFill>
+                <a:latin typeface="Consolas" panose="020B0609020204030204" pitchFamily="49" charset="0"/>
+                <a:ea typeface="Times New Roman" panose="02020603050405020304" pitchFamily="18" charset="0"/>
+                <a:cs typeface="Consolas" panose="020B0609020204030204" pitchFamily="49" charset="0"/>
+              </a:rPr>
+              <a:t>int</a:t>
+            </a:r>
+            <a:r>
+              <a:rPr lang="en-US" i="1" dirty="0">
+                <a:solidFill>
+                  <a:srgbClr val="34A7BD"/>
+                </a:solidFill>
+                <a:latin typeface="Consolas" panose="020B0609020204030204" pitchFamily="49" charset="0"/>
+                <a:ea typeface="Times New Roman" panose="02020603050405020304" pitchFamily="18" charset="0"/>
+                <a:cs typeface="Consolas" panose="020B0609020204030204" pitchFamily="49" charset="0"/>
+              </a:rPr>
+              <a:t> </a:t>
+            </a:r>
+            <a:r>
+              <a:rPr lang="en-US" dirty="0" err="1">
+                <a:solidFill>
+                  <a:srgbClr val="000000"/>
+                </a:solidFill>
+                <a:latin typeface="Consolas" panose="020B0609020204030204" pitchFamily="49" charset="0"/>
+                <a:ea typeface="Times New Roman" panose="02020603050405020304" pitchFamily="18" charset="0"/>
+                <a:cs typeface="Consolas" panose="020B0609020204030204" pitchFamily="49" charset="0"/>
+              </a:rPr>
+              <a:t>i</a:t>
+            </a:r>
+            <a:r>
+              <a:rPr lang="en-US" dirty="0">
+                <a:solidFill>
+                  <a:srgbClr val="C70040"/>
+                </a:solidFill>
+                <a:latin typeface="Consolas" panose="020B0609020204030204" pitchFamily="49" charset="0"/>
+                <a:ea typeface="Times New Roman" panose="02020603050405020304" pitchFamily="18" charset="0"/>
+                <a:cs typeface="Consolas" panose="020B0609020204030204" pitchFamily="49" charset="0"/>
+              </a:rPr>
+              <a:t>=</a:t>
+            </a:r>
+            <a:r>
+              <a:rPr lang="en-US" dirty="0">
+                <a:solidFill>
+                  <a:srgbClr val="7C4FCD"/>
+                </a:solidFill>
+                <a:latin typeface="Consolas" panose="020B0609020204030204" pitchFamily="49" charset="0"/>
+                <a:ea typeface="Times New Roman" panose="02020603050405020304" pitchFamily="18" charset="0"/>
+                <a:cs typeface="Consolas" panose="020B0609020204030204" pitchFamily="49" charset="0"/>
+              </a:rPr>
+              <a:t>0</a:t>
+            </a:r>
+            <a:r>
+              <a:rPr lang="en-US" dirty="0">
+                <a:solidFill>
+                  <a:srgbClr val="000000"/>
+                </a:solidFill>
+                <a:latin typeface="Consolas" panose="020B0609020204030204" pitchFamily="49" charset="0"/>
+                <a:ea typeface="Times New Roman" panose="02020603050405020304" pitchFamily="18" charset="0"/>
+                <a:cs typeface="Consolas" panose="020B0609020204030204" pitchFamily="49" charset="0"/>
+              </a:rPr>
+              <a:t>; </a:t>
+            </a:r>
+            <a:r>
+              <a:rPr lang="en-US" dirty="0" err="1">
+                <a:solidFill>
+                  <a:srgbClr val="000000"/>
+                </a:solidFill>
+                <a:latin typeface="Consolas" panose="020B0609020204030204" pitchFamily="49" charset="0"/>
+                <a:ea typeface="Times New Roman" panose="02020603050405020304" pitchFamily="18" charset="0"/>
+                <a:cs typeface="Consolas" panose="020B0609020204030204" pitchFamily="49" charset="0"/>
+              </a:rPr>
+              <a:t>i</a:t>
+            </a:r>
+            <a:r>
+              <a:rPr lang="en-US" dirty="0">
+                <a:solidFill>
+                  <a:srgbClr val="C70040"/>
+                </a:solidFill>
+                <a:latin typeface="Consolas" panose="020B0609020204030204" pitchFamily="49" charset="0"/>
+                <a:ea typeface="Times New Roman" panose="02020603050405020304" pitchFamily="18" charset="0"/>
+                <a:cs typeface="Consolas" panose="020B0609020204030204" pitchFamily="49" charset="0"/>
+              </a:rPr>
+              <a:t>&lt;</a:t>
+            </a:r>
+            <a:r>
+              <a:rPr lang="en-US" dirty="0">
+                <a:solidFill>
+                  <a:srgbClr val="7C4FCD"/>
+                </a:solidFill>
+                <a:latin typeface="Consolas" panose="020B0609020204030204" pitchFamily="49" charset="0"/>
+                <a:ea typeface="Times New Roman" panose="02020603050405020304" pitchFamily="18" charset="0"/>
+                <a:cs typeface="Consolas" panose="020B0609020204030204" pitchFamily="49" charset="0"/>
+              </a:rPr>
+              <a:t>16</a:t>
+            </a:r>
+            <a:r>
+              <a:rPr lang="en-US" dirty="0">
+                <a:solidFill>
+                  <a:srgbClr val="000000"/>
+                </a:solidFill>
+                <a:latin typeface="Consolas" panose="020B0609020204030204" pitchFamily="49" charset="0"/>
+                <a:ea typeface="Times New Roman" panose="02020603050405020304" pitchFamily="18" charset="0"/>
+                <a:cs typeface="Consolas" panose="020B0609020204030204" pitchFamily="49" charset="0"/>
+              </a:rPr>
+              <a:t>; </a:t>
+            </a:r>
+            <a:r>
+              <a:rPr lang="en-US" dirty="0" err="1">
+                <a:solidFill>
+                  <a:srgbClr val="000000"/>
+                </a:solidFill>
+                <a:latin typeface="Consolas" panose="020B0609020204030204" pitchFamily="49" charset="0"/>
+                <a:ea typeface="Times New Roman" panose="02020603050405020304" pitchFamily="18" charset="0"/>
+                <a:cs typeface="Consolas" panose="020B0609020204030204" pitchFamily="49" charset="0"/>
+              </a:rPr>
+              <a:t>i</a:t>
+            </a:r>
+            <a:r>
+              <a:rPr lang="en-US" dirty="0">
+                <a:solidFill>
+                  <a:srgbClr val="C70040"/>
+                </a:solidFill>
+                <a:latin typeface="Consolas" panose="020B0609020204030204" pitchFamily="49" charset="0"/>
+                <a:ea typeface="Times New Roman" panose="02020603050405020304" pitchFamily="18" charset="0"/>
+                <a:cs typeface="Consolas" panose="020B0609020204030204" pitchFamily="49" charset="0"/>
+              </a:rPr>
+              <a:t>++</a:t>
+            </a:r>
+            <a:r>
+              <a:rPr lang="en-US" dirty="0">
+                <a:solidFill>
+                  <a:srgbClr val="000000"/>
+                </a:solidFill>
+                <a:latin typeface="Consolas" panose="020B0609020204030204" pitchFamily="49" charset="0"/>
+                <a:ea typeface="Times New Roman" panose="02020603050405020304" pitchFamily="18" charset="0"/>
+                <a:cs typeface="Consolas" panose="020B0609020204030204" pitchFamily="49" charset="0"/>
+              </a:rPr>
+              <a:t>) {</a:t>
+            </a:r>
+            <a:endParaRPr lang="en-US" dirty="0">
+              <a:solidFill>
+                <a:prstClr val="white"/>
+              </a:solidFill>
+              <a:latin typeface="Consolas" panose="020B0609020204030204" pitchFamily="49" charset="0"/>
+              <a:ea typeface="Calibri" panose="020F0502020204030204" pitchFamily="34" charset="0"/>
+              <a:cs typeface="Consolas" panose="020B0609020204030204" pitchFamily="49" charset="0"/>
+            </a:endParaRPr>
+          </a:p>
+          <a:p>
+            <a:pPr>
+              <a:lnSpc>
+                <a:spcPct val="107000"/>
+              </a:lnSpc>
+              <a:tabLst>
+                <a:tab pos="581660" algn="l"/>
+                <a:tab pos="1163320" algn="l"/>
+                <a:tab pos="1744980" algn="l"/>
+                <a:tab pos="2326640" algn="l"/>
+                <a:tab pos="2908300" algn="l"/>
+                <a:tab pos="3489960" algn="l"/>
+                <a:tab pos="4071620" algn="l"/>
+                <a:tab pos="4653280" algn="l"/>
+                <a:tab pos="5234940" algn="l"/>
+                <a:tab pos="5816600" algn="l"/>
+                <a:tab pos="6398260" algn="l"/>
+                <a:tab pos="6979920" algn="l"/>
+                <a:tab pos="7561580" algn="l"/>
+                <a:tab pos="8143240" algn="l"/>
+                <a:tab pos="8724900" algn="l"/>
+                <a:tab pos="9306560" algn="l"/>
+              </a:tabLst>
+            </a:pPr>
+            <a:r>
+              <a:rPr lang="en-US" dirty="0">
+                <a:solidFill>
+                  <a:srgbClr val="000000"/>
+                </a:solidFill>
+                <a:latin typeface="Consolas" panose="020B0609020204030204" pitchFamily="49" charset="0"/>
+                <a:ea typeface="Times New Roman" panose="02020603050405020304" pitchFamily="18" charset="0"/>
+                <a:cs typeface="Consolas" panose="020B0609020204030204" pitchFamily="49" charset="0"/>
+              </a:rPr>
+              <a:t>    </a:t>
+            </a:r>
+            <a:r>
+              <a:rPr lang="en-US" i="1" dirty="0">
+                <a:solidFill>
+                  <a:srgbClr val="34A7BD"/>
+                </a:solidFill>
+                <a:latin typeface="Consolas" panose="020B0609020204030204" pitchFamily="49" charset="0"/>
+                <a:ea typeface="Times New Roman" panose="02020603050405020304" pitchFamily="18" charset="0"/>
+                <a:cs typeface="Consolas" panose="020B0609020204030204" pitchFamily="49" charset="0"/>
+              </a:rPr>
+              <a:t>vec3 </a:t>
+            </a:r>
+            <a:r>
+              <a:rPr lang="en-US" dirty="0">
+                <a:solidFill>
+                  <a:srgbClr val="000000"/>
+                </a:solidFill>
+                <a:latin typeface="Consolas" panose="020B0609020204030204" pitchFamily="49" charset="0"/>
+                <a:ea typeface="Times New Roman" panose="02020603050405020304" pitchFamily="18" charset="0"/>
+                <a:cs typeface="Consolas" panose="020B0609020204030204" pitchFamily="49" charset="0"/>
+              </a:rPr>
+              <a:t>sf </a:t>
+            </a:r>
+            <a:r>
+              <a:rPr lang="en-US" dirty="0">
+                <a:solidFill>
+                  <a:srgbClr val="C70040"/>
+                </a:solidFill>
+                <a:latin typeface="Consolas" panose="020B0609020204030204" pitchFamily="49" charset="0"/>
+                <a:ea typeface="Times New Roman" panose="02020603050405020304" pitchFamily="18" charset="0"/>
+                <a:cs typeface="Consolas" panose="020B0609020204030204" pitchFamily="49" charset="0"/>
+              </a:rPr>
+              <a:t>=</a:t>
+            </a:r>
+            <a:endParaRPr lang="en-US" dirty="0">
+              <a:solidFill>
+                <a:prstClr val="white"/>
+              </a:solidFill>
+              <a:latin typeface="Consolas" panose="020B0609020204030204" pitchFamily="49" charset="0"/>
+              <a:ea typeface="Times New Roman" panose="02020603050405020304" pitchFamily="18" charset="0"/>
+              <a:cs typeface="Consolas" panose="020B0609020204030204" pitchFamily="49" charset="0"/>
+            </a:endParaRPr>
+          </a:p>
+          <a:p>
+            <a:pPr>
+              <a:lnSpc>
+                <a:spcPct val="107000"/>
+              </a:lnSpc>
+              <a:tabLst>
+                <a:tab pos="581660" algn="l"/>
+                <a:tab pos="1163320" algn="l"/>
+                <a:tab pos="1744980" algn="l"/>
+                <a:tab pos="2326640" algn="l"/>
+                <a:tab pos="2908300" algn="l"/>
+                <a:tab pos="3489960" algn="l"/>
+                <a:tab pos="4071620" algn="l"/>
+                <a:tab pos="4653280" algn="l"/>
+                <a:tab pos="5234940" algn="l"/>
+                <a:tab pos="5816600" algn="l"/>
+                <a:tab pos="6398260" algn="l"/>
+                <a:tab pos="6979920" algn="l"/>
+                <a:tab pos="7561580" algn="l"/>
+                <a:tab pos="8143240" algn="l"/>
+                <a:tab pos="8724900" algn="l"/>
+                <a:tab pos="9306560" algn="l"/>
+              </a:tabLst>
+            </a:pPr>
+            <a:r>
+              <a:rPr lang="en-US" i="1" dirty="0">
+                <a:solidFill>
+                  <a:srgbClr val="34A7BD"/>
+                </a:solidFill>
+                <a:latin typeface="Consolas" panose="020B0609020204030204" pitchFamily="49" charset="0"/>
+                <a:ea typeface="Times New Roman" panose="02020603050405020304" pitchFamily="18" charset="0"/>
+                <a:cs typeface="Consolas" panose="020B0609020204030204" pitchFamily="49" charset="0"/>
+              </a:rPr>
+              <a:t>    vec3</a:t>
+            </a:r>
+            <a:r>
+              <a:rPr lang="en-US" dirty="0">
+                <a:solidFill>
+                  <a:srgbClr val="000000"/>
+                </a:solidFill>
+                <a:latin typeface="Consolas" panose="020B0609020204030204" pitchFamily="49" charset="0"/>
+                <a:ea typeface="Times New Roman" panose="02020603050405020304" pitchFamily="18" charset="0"/>
+                <a:cs typeface="Consolas" panose="020B0609020204030204" pitchFamily="49" charset="0"/>
+              </a:rPr>
+              <a:t>(s </a:t>
+            </a:r>
+            <a:r>
+              <a:rPr lang="en-US" dirty="0">
+                <a:solidFill>
+                  <a:srgbClr val="C70040"/>
+                </a:solidFill>
+                <a:latin typeface="Consolas" panose="020B0609020204030204" pitchFamily="49" charset="0"/>
+                <a:ea typeface="Times New Roman" panose="02020603050405020304" pitchFamily="18" charset="0"/>
+                <a:cs typeface="Consolas" panose="020B0609020204030204" pitchFamily="49" charset="0"/>
+              </a:rPr>
+              <a:t>&amp; </a:t>
+            </a:r>
+            <a:r>
+              <a:rPr lang="en-US" i="1" dirty="0">
+                <a:solidFill>
+                  <a:srgbClr val="34A7BD"/>
+                </a:solidFill>
+                <a:latin typeface="Consolas" panose="020B0609020204030204" pitchFamily="49" charset="0"/>
+                <a:ea typeface="Times New Roman" panose="02020603050405020304" pitchFamily="18" charset="0"/>
+                <a:cs typeface="Consolas" panose="020B0609020204030204" pitchFamily="49" charset="0"/>
+              </a:rPr>
+              <a:t>uvec3</a:t>
+            </a:r>
+            <a:r>
+              <a:rPr lang="en-US" dirty="0">
+                <a:solidFill>
+                  <a:srgbClr val="000000"/>
+                </a:solidFill>
+                <a:latin typeface="Consolas" panose="020B0609020204030204" pitchFamily="49" charset="0"/>
+                <a:ea typeface="Times New Roman" panose="02020603050405020304" pitchFamily="18" charset="0"/>
+                <a:cs typeface="Consolas" panose="020B0609020204030204" pitchFamily="49" charset="0"/>
+              </a:rPr>
+              <a:t>(</a:t>
+            </a:r>
+            <a:r>
+              <a:rPr lang="en-US" dirty="0">
+                <a:solidFill>
+                  <a:srgbClr val="7C4FCD"/>
+                </a:solidFill>
+                <a:latin typeface="Consolas" panose="020B0609020204030204" pitchFamily="49" charset="0"/>
+                <a:ea typeface="Times New Roman" panose="02020603050405020304" pitchFamily="18" charset="0"/>
+                <a:cs typeface="Consolas" panose="020B0609020204030204" pitchFamily="49" charset="0"/>
+              </a:rPr>
+              <a:t>0xFFFF</a:t>
+            </a:r>
+            <a:r>
+              <a:rPr lang="en-US" dirty="0">
+                <a:solidFill>
+                  <a:srgbClr val="000000"/>
+                </a:solidFill>
+                <a:latin typeface="Consolas" panose="020B0609020204030204" pitchFamily="49" charset="0"/>
+                <a:ea typeface="Times New Roman" panose="02020603050405020304" pitchFamily="18" charset="0"/>
+                <a:cs typeface="Consolas" panose="020B0609020204030204" pitchFamily="49" charset="0"/>
+              </a:rPr>
+              <a:t>))</a:t>
+            </a:r>
+          </a:p>
+          <a:p>
+            <a:pPr>
+              <a:lnSpc>
+                <a:spcPct val="107000"/>
+              </a:lnSpc>
+              <a:tabLst>
+                <a:tab pos="581660" algn="l"/>
+                <a:tab pos="1163320" algn="l"/>
+                <a:tab pos="1744980" algn="l"/>
+                <a:tab pos="2326640" algn="l"/>
+                <a:tab pos="2908300" algn="l"/>
+                <a:tab pos="3489960" algn="l"/>
+                <a:tab pos="4071620" algn="l"/>
+                <a:tab pos="4653280" algn="l"/>
+                <a:tab pos="5234940" algn="l"/>
+                <a:tab pos="5816600" algn="l"/>
+                <a:tab pos="6398260" algn="l"/>
+                <a:tab pos="6979920" algn="l"/>
+                <a:tab pos="7561580" algn="l"/>
+                <a:tab pos="8143240" algn="l"/>
+                <a:tab pos="8724900" algn="l"/>
+                <a:tab pos="9306560" algn="l"/>
+              </a:tabLst>
+            </a:pPr>
+            <a:r>
+              <a:rPr lang="en-US" dirty="0">
+                <a:solidFill>
+                  <a:srgbClr val="000000"/>
+                </a:solidFill>
+                <a:latin typeface="Consolas" panose="020B0609020204030204" pitchFamily="49" charset="0"/>
+                <a:ea typeface="Times New Roman" panose="02020603050405020304" pitchFamily="18" charset="0"/>
+                <a:cs typeface="Consolas" panose="020B0609020204030204" pitchFamily="49" charset="0"/>
+              </a:rPr>
+              <a:t>  </a:t>
+            </a:r>
+            <a:r>
+              <a:rPr lang="en-US" dirty="0">
+                <a:solidFill>
+                  <a:srgbClr val="C70040"/>
+                </a:solidFill>
+                <a:latin typeface="Consolas" panose="020B0609020204030204" pitchFamily="49" charset="0"/>
+                <a:ea typeface="Times New Roman" panose="02020603050405020304" pitchFamily="18" charset="0"/>
+                <a:cs typeface="Consolas" panose="020B0609020204030204" pitchFamily="49" charset="0"/>
+              </a:rPr>
+              <a:t>/ </a:t>
+            </a:r>
+            <a:r>
+              <a:rPr lang="en-US" dirty="0">
+                <a:solidFill>
+                  <a:srgbClr val="7C4FCD"/>
+                </a:solidFill>
+                <a:latin typeface="Consolas" panose="020B0609020204030204" pitchFamily="49" charset="0"/>
+                <a:ea typeface="Times New Roman" panose="02020603050405020304" pitchFamily="18" charset="0"/>
+                <a:cs typeface="Consolas" panose="020B0609020204030204" pitchFamily="49" charset="0"/>
+              </a:rPr>
+              <a:t>65536.0 </a:t>
+            </a:r>
+            <a:r>
+              <a:rPr lang="en-US" dirty="0">
+                <a:solidFill>
+                  <a:srgbClr val="C70040"/>
+                </a:solidFill>
+                <a:latin typeface="Consolas" panose="020B0609020204030204" pitchFamily="49" charset="0"/>
+                <a:ea typeface="Times New Roman" panose="02020603050405020304" pitchFamily="18" charset="0"/>
+                <a:cs typeface="Consolas" panose="020B0609020204030204" pitchFamily="49" charset="0"/>
+              </a:rPr>
+              <a:t>- </a:t>
+            </a:r>
+            <a:r>
+              <a:rPr lang="en-US" i="1" dirty="0">
+                <a:solidFill>
+                  <a:srgbClr val="34A7BD"/>
+                </a:solidFill>
+                <a:latin typeface="Consolas" panose="020B0609020204030204" pitchFamily="49" charset="0"/>
+                <a:ea typeface="Times New Roman" panose="02020603050405020304" pitchFamily="18" charset="0"/>
+                <a:cs typeface="Consolas" panose="020B0609020204030204" pitchFamily="49" charset="0"/>
+              </a:rPr>
+              <a:t>vec3</a:t>
+            </a:r>
+            <a:r>
+              <a:rPr lang="en-US" dirty="0">
+                <a:solidFill>
+                  <a:srgbClr val="000000"/>
+                </a:solidFill>
+                <a:latin typeface="Consolas" panose="020B0609020204030204" pitchFamily="49" charset="0"/>
+                <a:ea typeface="Times New Roman" panose="02020603050405020304" pitchFamily="18" charset="0"/>
+                <a:cs typeface="Consolas" panose="020B0609020204030204" pitchFamily="49" charset="0"/>
+              </a:rPr>
+              <a:t>(</a:t>
+            </a:r>
+            <a:r>
+              <a:rPr lang="en-US" dirty="0">
+                <a:solidFill>
+                  <a:srgbClr val="7C4FCD"/>
+                </a:solidFill>
+                <a:latin typeface="Consolas" panose="020B0609020204030204" pitchFamily="49" charset="0"/>
+                <a:ea typeface="Times New Roman" panose="02020603050405020304" pitchFamily="18" charset="0"/>
+                <a:cs typeface="Consolas" panose="020B0609020204030204" pitchFamily="49" charset="0"/>
+              </a:rPr>
+              <a:t>0.5</a:t>
+            </a:r>
+            <a:r>
+              <a:rPr lang="en-US" dirty="0">
+                <a:solidFill>
+                  <a:srgbClr val="000000"/>
+                </a:solidFill>
+                <a:latin typeface="Consolas" panose="020B0609020204030204" pitchFamily="49" charset="0"/>
+                <a:ea typeface="Times New Roman" panose="02020603050405020304" pitchFamily="18" charset="0"/>
+                <a:cs typeface="Consolas" panose="020B0609020204030204" pitchFamily="49" charset="0"/>
+              </a:rPr>
+              <a:t>, </a:t>
+            </a:r>
+            <a:r>
+              <a:rPr lang="en-US" dirty="0">
+                <a:solidFill>
+                  <a:srgbClr val="7C4FCD"/>
+                </a:solidFill>
+                <a:latin typeface="Consolas" panose="020B0609020204030204" pitchFamily="49" charset="0"/>
+                <a:ea typeface="Times New Roman" panose="02020603050405020304" pitchFamily="18" charset="0"/>
+                <a:cs typeface="Consolas" panose="020B0609020204030204" pitchFamily="49" charset="0"/>
+              </a:rPr>
+              <a:t>0.5</a:t>
+            </a:r>
+            <a:r>
+              <a:rPr lang="en-US" dirty="0">
+                <a:solidFill>
+                  <a:srgbClr val="000000"/>
+                </a:solidFill>
+                <a:latin typeface="Consolas" panose="020B0609020204030204" pitchFamily="49" charset="0"/>
+                <a:ea typeface="Times New Roman" panose="02020603050405020304" pitchFamily="18" charset="0"/>
+                <a:cs typeface="Consolas" panose="020B0609020204030204" pitchFamily="49" charset="0"/>
+              </a:rPr>
+              <a:t>, </a:t>
+            </a:r>
+            <a:r>
+              <a:rPr lang="en-US" dirty="0">
+                <a:solidFill>
+                  <a:srgbClr val="7C4FCD"/>
+                </a:solidFill>
+                <a:latin typeface="Consolas" panose="020B0609020204030204" pitchFamily="49" charset="0"/>
+                <a:ea typeface="Times New Roman" panose="02020603050405020304" pitchFamily="18" charset="0"/>
+                <a:cs typeface="Consolas" panose="020B0609020204030204" pitchFamily="49" charset="0"/>
+              </a:rPr>
+              <a:t>0.5</a:t>
+            </a:r>
+            <a:r>
+              <a:rPr lang="en-US" dirty="0">
+                <a:solidFill>
+                  <a:srgbClr val="000000"/>
+                </a:solidFill>
+                <a:latin typeface="Consolas" panose="020B0609020204030204" pitchFamily="49" charset="0"/>
+                <a:ea typeface="Times New Roman" panose="02020603050405020304" pitchFamily="18" charset="0"/>
+                <a:cs typeface="Consolas" panose="020B0609020204030204" pitchFamily="49" charset="0"/>
+              </a:rPr>
+              <a:t>);</a:t>
+            </a:r>
+            <a:endParaRPr lang="en-US" dirty="0">
+              <a:solidFill>
+                <a:prstClr val="white"/>
+              </a:solidFill>
+              <a:latin typeface="Consolas" panose="020B0609020204030204" pitchFamily="49" charset="0"/>
+              <a:ea typeface="Calibri" panose="020F0502020204030204" pitchFamily="34" charset="0"/>
+              <a:cs typeface="Consolas" panose="020B0609020204030204" pitchFamily="49" charset="0"/>
+            </a:endParaRPr>
+          </a:p>
+          <a:p>
+            <a:pPr>
+              <a:lnSpc>
+                <a:spcPct val="107000"/>
+              </a:lnSpc>
+              <a:tabLst>
+                <a:tab pos="581660" algn="l"/>
+                <a:tab pos="1163320" algn="l"/>
+                <a:tab pos="1744980" algn="l"/>
+                <a:tab pos="2326640" algn="l"/>
+                <a:tab pos="2908300" algn="l"/>
+                <a:tab pos="3489960" algn="l"/>
+                <a:tab pos="4071620" algn="l"/>
+                <a:tab pos="4653280" algn="l"/>
+                <a:tab pos="5234940" algn="l"/>
+                <a:tab pos="5816600" algn="l"/>
+                <a:tab pos="6398260" algn="l"/>
+                <a:tab pos="6979920" algn="l"/>
+                <a:tab pos="7561580" algn="l"/>
+                <a:tab pos="8143240" algn="l"/>
+                <a:tab pos="8724900" algn="l"/>
+                <a:tab pos="9306560" algn="l"/>
+              </a:tabLst>
+            </a:pPr>
+            <a:r>
+              <a:rPr lang="en-US" dirty="0">
+                <a:solidFill>
+                  <a:srgbClr val="000000"/>
+                </a:solidFill>
+                <a:latin typeface="Consolas" panose="020B0609020204030204" pitchFamily="49" charset="0"/>
+                <a:ea typeface="Times New Roman" panose="02020603050405020304" pitchFamily="18" charset="0"/>
+                <a:cs typeface="Consolas" panose="020B0609020204030204" pitchFamily="49" charset="0"/>
+              </a:rPr>
+              <a:t>    </a:t>
+            </a:r>
+            <a:endParaRPr lang="en-US" dirty="0">
+              <a:solidFill>
+                <a:prstClr val="white"/>
+              </a:solidFill>
+              <a:latin typeface="Consolas" panose="020B0609020204030204" pitchFamily="49" charset="0"/>
+              <a:ea typeface="Calibri" panose="020F0502020204030204" pitchFamily="34" charset="0"/>
+              <a:cs typeface="Consolas" panose="020B0609020204030204" pitchFamily="49" charset="0"/>
+            </a:endParaRPr>
+          </a:p>
+          <a:p>
+            <a:pPr>
+              <a:lnSpc>
+                <a:spcPct val="107000"/>
+              </a:lnSpc>
+              <a:tabLst>
+                <a:tab pos="581660" algn="l"/>
+                <a:tab pos="1163320" algn="l"/>
+                <a:tab pos="1744980" algn="l"/>
+                <a:tab pos="2326640" algn="l"/>
+                <a:tab pos="2908300" algn="l"/>
+                <a:tab pos="3489960" algn="l"/>
+                <a:tab pos="4071620" algn="l"/>
+                <a:tab pos="4653280" algn="l"/>
+                <a:tab pos="5234940" algn="l"/>
+                <a:tab pos="5816600" algn="l"/>
+                <a:tab pos="6398260" algn="l"/>
+                <a:tab pos="6979920" algn="l"/>
+                <a:tab pos="7561580" algn="l"/>
+                <a:tab pos="8143240" algn="l"/>
+                <a:tab pos="8724900" algn="l"/>
+                <a:tab pos="9306560" algn="l"/>
+              </a:tabLst>
+            </a:pPr>
+            <a:r>
+              <a:rPr lang="en-US" dirty="0">
+                <a:solidFill>
+                  <a:srgbClr val="000000"/>
+                </a:solidFill>
+                <a:latin typeface="Consolas" panose="020B0609020204030204" pitchFamily="49" charset="0"/>
+                <a:ea typeface="Times New Roman" panose="02020603050405020304" pitchFamily="18" charset="0"/>
+                <a:cs typeface="Consolas" panose="020B0609020204030204" pitchFamily="49" charset="0"/>
+              </a:rPr>
+              <a:t>    f </a:t>
+            </a:r>
+            <a:r>
+              <a:rPr lang="en-US" dirty="0">
+                <a:solidFill>
+                  <a:srgbClr val="C70040"/>
+                </a:solidFill>
+                <a:latin typeface="Consolas" panose="020B0609020204030204" pitchFamily="49" charset="0"/>
+                <a:ea typeface="Times New Roman" panose="02020603050405020304" pitchFamily="18" charset="0"/>
+                <a:cs typeface="Consolas" panose="020B0609020204030204" pitchFamily="49" charset="0"/>
+              </a:rPr>
+              <a:t>+= </a:t>
+            </a:r>
+            <a:r>
+              <a:rPr lang="en-US" dirty="0">
+                <a:solidFill>
+                  <a:srgbClr val="34A7BD"/>
+                </a:solidFill>
+                <a:latin typeface="Consolas" panose="020B0609020204030204" pitchFamily="49" charset="0"/>
+                <a:ea typeface="Times New Roman" panose="02020603050405020304" pitchFamily="18" charset="0"/>
+                <a:cs typeface="Consolas" panose="020B0609020204030204" pitchFamily="49" charset="0"/>
+              </a:rPr>
+              <a:t>sin</a:t>
+            </a:r>
+            <a:r>
+              <a:rPr lang="en-US" dirty="0">
+                <a:solidFill>
+                  <a:srgbClr val="000000"/>
+                </a:solidFill>
+                <a:latin typeface="Consolas" panose="020B0609020204030204" pitchFamily="49" charset="0"/>
+                <a:ea typeface="Times New Roman" panose="02020603050405020304" pitchFamily="18" charset="0"/>
+                <a:cs typeface="Consolas" panose="020B0609020204030204" pitchFamily="49" charset="0"/>
+              </a:rPr>
+              <a:t>(</a:t>
+            </a:r>
+            <a:r>
+              <a:rPr lang="en-US" dirty="0">
+                <a:solidFill>
+                  <a:srgbClr val="34A7BD"/>
+                </a:solidFill>
+                <a:latin typeface="Consolas" panose="020B0609020204030204" pitchFamily="49" charset="0"/>
+                <a:ea typeface="Times New Roman" panose="02020603050405020304" pitchFamily="18" charset="0"/>
+                <a:cs typeface="Consolas" panose="020B0609020204030204" pitchFamily="49" charset="0"/>
+              </a:rPr>
+              <a:t>dot</a:t>
+            </a:r>
+            <a:r>
+              <a:rPr lang="en-US" dirty="0">
+                <a:solidFill>
+                  <a:srgbClr val="000000"/>
+                </a:solidFill>
+                <a:latin typeface="Consolas" panose="020B0609020204030204" pitchFamily="49" charset="0"/>
+                <a:ea typeface="Times New Roman" panose="02020603050405020304" pitchFamily="18" charset="0"/>
+                <a:cs typeface="Consolas" panose="020B0609020204030204" pitchFamily="49" charset="0"/>
+              </a:rPr>
+              <a:t>(sf, r));</a:t>
+            </a:r>
+            <a:endParaRPr lang="en-US" dirty="0">
+              <a:solidFill>
+                <a:prstClr val="white"/>
+              </a:solidFill>
+              <a:latin typeface="Consolas" panose="020B0609020204030204" pitchFamily="49" charset="0"/>
+              <a:ea typeface="Calibri" panose="020F0502020204030204" pitchFamily="34" charset="0"/>
+              <a:cs typeface="Consolas" panose="020B0609020204030204" pitchFamily="49" charset="0"/>
+            </a:endParaRPr>
+          </a:p>
+          <a:p>
+            <a:pPr>
+              <a:lnSpc>
+                <a:spcPct val="107000"/>
+              </a:lnSpc>
+              <a:tabLst>
+                <a:tab pos="581660" algn="l"/>
+                <a:tab pos="1163320" algn="l"/>
+                <a:tab pos="1744980" algn="l"/>
+                <a:tab pos="2326640" algn="l"/>
+                <a:tab pos="2908300" algn="l"/>
+                <a:tab pos="3489960" algn="l"/>
+                <a:tab pos="4071620" algn="l"/>
+                <a:tab pos="4653280" algn="l"/>
+                <a:tab pos="5234940" algn="l"/>
+                <a:tab pos="5816600" algn="l"/>
+                <a:tab pos="6398260" algn="l"/>
+                <a:tab pos="6979920" algn="l"/>
+                <a:tab pos="7561580" algn="l"/>
+                <a:tab pos="8143240" algn="l"/>
+                <a:tab pos="8724900" algn="l"/>
+                <a:tab pos="9306560" algn="l"/>
+              </a:tabLst>
+            </a:pPr>
+            <a:r>
+              <a:rPr lang="en-US" dirty="0">
+                <a:solidFill>
+                  <a:srgbClr val="000000"/>
+                </a:solidFill>
+                <a:latin typeface="Consolas" panose="020B0609020204030204" pitchFamily="49" charset="0"/>
+                <a:ea typeface="Times New Roman" panose="02020603050405020304" pitchFamily="18" charset="0"/>
+                <a:cs typeface="Consolas" panose="020B0609020204030204" pitchFamily="49" charset="0"/>
+              </a:rPr>
+              <a:t>    s </a:t>
+            </a:r>
+            <a:r>
+              <a:rPr lang="en-US" dirty="0">
+                <a:solidFill>
+                  <a:srgbClr val="C70040"/>
+                </a:solidFill>
+                <a:latin typeface="Consolas" panose="020B0609020204030204" pitchFamily="49" charset="0"/>
+                <a:ea typeface="Times New Roman" panose="02020603050405020304" pitchFamily="18" charset="0"/>
+                <a:cs typeface="Consolas" panose="020B0609020204030204" pitchFamily="49" charset="0"/>
+              </a:rPr>
+              <a:t>= </a:t>
+            </a:r>
+            <a:r>
+              <a:rPr lang="en-US" dirty="0">
+                <a:solidFill>
+                  <a:srgbClr val="000000"/>
+                </a:solidFill>
+                <a:latin typeface="Consolas" panose="020B0609020204030204" pitchFamily="49" charset="0"/>
+                <a:ea typeface="Times New Roman" panose="02020603050405020304" pitchFamily="18" charset="0"/>
+                <a:cs typeface="Consolas" panose="020B0609020204030204" pitchFamily="49" charset="0"/>
+              </a:rPr>
+              <a:t>s </a:t>
+            </a:r>
+            <a:r>
+              <a:rPr lang="en-US" dirty="0">
+                <a:solidFill>
+                  <a:srgbClr val="C70040"/>
+                </a:solidFill>
+                <a:latin typeface="Consolas" panose="020B0609020204030204" pitchFamily="49" charset="0"/>
+                <a:ea typeface="Times New Roman" panose="02020603050405020304" pitchFamily="18" charset="0"/>
+                <a:cs typeface="Consolas" panose="020B0609020204030204" pitchFamily="49" charset="0"/>
+              </a:rPr>
+              <a:t>&gt;&gt; </a:t>
+            </a:r>
+            <a:r>
+              <a:rPr lang="en-US" dirty="0">
+                <a:solidFill>
+                  <a:srgbClr val="7C4FCD"/>
+                </a:solidFill>
+                <a:latin typeface="Consolas" panose="020B0609020204030204" pitchFamily="49" charset="0"/>
+                <a:ea typeface="Times New Roman" panose="02020603050405020304" pitchFamily="18" charset="0"/>
+                <a:cs typeface="Consolas" panose="020B0609020204030204" pitchFamily="49" charset="0"/>
+              </a:rPr>
+              <a:t>1</a:t>
+            </a:r>
+            <a:r>
+              <a:rPr lang="en-US" dirty="0">
+                <a:solidFill>
+                  <a:srgbClr val="000000"/>
+                </a:solidFill>
+                <a:latin typeface="Consolas" panose="020B0609020204030204" pitchFamily="49" charset="0"/>
+                <a:ea typeface="Times New Roman" panose="02020603050405020304" pitchFamily="18" charset="0"/>
+                <a:cs typeface="Consolas" panose="020B0609020204030204" pitchFamily="49" charset="0"/>
+              </a:rPr>
+              <a:t>;</a:t>
+            </a:r>
+            <a:endParaRPr lang="en-US" dirty="0">
+              <a:solidFill>
+                <a:prstClr val="white"/>
+              </a:solidFill>
+              <a:latin typeface="Consolas" panose="020B0609020204030204" pitchFamily="49" charset="0"/>
+              <a:ea typeface="Calibri" panose="020F0502020204030204" pitchFamily="34" charset="0"/>
+              <a:cs typeface="Consolas" panose="020B0609020204030204" pitchFamily="49" charset="0"/>
+            </a:endParaRPr>
+          </a:p>
+          <a:p>
+            <a:pPr>
+              <a:lnSpc>
+                <a:spcPct val="107000"/>
+              </a:lnSpc>
+              <a:tabLst>
+                <a:tab pos="581660" algn="l"/>
+                <a:tab pos="1163320" algn="l"/>
+                <a:tab pos="1744980" algn="l"/>
+                <a:tab pos="2326640" algn="l"/>
+                <a:tab pos="2908300" algn="l"/>
+                <a:tab pos="3489960" algn="l"/>
+                <a:tab pos="4071620" algn="l"/>
+                <a:tab pos="4653280" algn="l"/>
+                <a:tab pos="5234940" algn="l"/>
+                <a:tab pos="5816600" algn="l"/>
+                <a:tab pos="6398260" algn="l"/>
+                <a:tab pos="6979920" algn="l"/>
+                <a:tab pos="7561580" algn="l"/>
+                <a:tab pos="8143240" algn="l"/>
+                <a:tab pos="8724900" algn="l"/>
+                <a:tab pos="9306560" algn="l"/>
+              </a:tabLst>
+            </a:pPr>
+            <a:r>
+              <a:rPr lang="en-US" dirty="0">
+                <a:solidFill>
+                  <a:srgbClr val="000000"/>
+                </a:solidFill>
+                <a:latin typeface="Consolas" panose="020B0609020204030204" pitchFamily="49" charset="0"/>
+                <a:ea typeface="Times New Roman" panose="02020603050405020304" pitchFamily="18" charset="0"/>
+                <a:cs typeface="Consolas" panose="020B0609020204030204" pitchFamily="49" charset="0"/>
+              </a:rPr>
+              <a:t>  }</a:t>
+            </a:r>
+            <a:endParaRPr lang="en-US" dirty="0">
+              <a:solidFill>
+                <a:prstClr val="white"/>
+              </a:solidFill>
+              <a:latin typeface="Consolas" panose="020B0609020204030204" pitchFamily="49" charset="0"/>
+              <a:ea typeface="Calibri" panose="020F0502020204030204" pitchFamily="34" charset="0"/>
+              <a:cs typeface="Consolas" panose="020B0609020204030204" pitchFamily="49" charset="0"/>
+            </a:endParaRPr>
+          </a:p>
+          <a:p>
+            <a:pPr>
+              <a:lnSpc>
+                <a:spcPct val="107000"/>
+              </a:lnSpc>
+              <a:tabLst>
+                <a:tab pos="581660" algn="l"/>
+                <a:tab pos="1163320" algn="l"/>
+                <a:tab pos="1744980" algn="l"/>
+                <a:tab pos="2326640" algn="l"/>
+                <a:tab pos="2908300" algn="l"/>
+                <a:tab pos="3489960" algn="l"/>
+                <a:tab pos="4071620" algn="l"/>
+                <a:tab pos="4653280" algn="l"/>
+                <a:tab pos="5234940" algn="l"/>
+                <a:tab pos="5816600" algn="l"/>
+                <a:tab pos="6398260" algn="l"/>
+                <a:tab pos="6979920" algn="l"/>
+                <a:tab pos="7561580" algn="l"/>
+                <a:tab pos="8143240" algn="l"/>
+                <a:tab pos="8724900" algn="l"/>
+                <a:tab pos="9306560" algn="l"/>
+              </a:tabLst>
+            </a:pPr>
+            <a:r>
+              <a:rPr lang="en-US" dirty="0">
+                <a:solidFill>
+                  <a:srgbClr val="000000"/>
+                </a:solidFill>
+                <a:latin typeface="Consolas" panose="020B0609020204030204" pitchFamily="49" charset="0"/>
+                <a:ea typeface="Times New Roman" panose="02020603050405020304" pitchFamily="18" charset="0"/>
+                <a:cs typeface="Consolas" panose="020B0609020204030204" pitchFamily="49" charset="0"/>
+              </a:rPr>
+              <a:t>  </a:t>
+            </a:r>
+            <a:r>
+              <a:rPr lang="en-US" dirty="0">
+                <a:solidFill>
+                  <a:srgbClr val="C70040"/>
+                </a:solidFill>
+                <a:latin typeface="Consolas" panose="020B0609020204030204" pitchFamily="49" charset="0"/>
+                <a:ea typeface="Times New Roman" panose="02020603050405020304" pitchFamily="18" charset="0"/>
+                <a:cs typeface="Consolas" panose="020B0609020204030204" pitchFamily="49" charset="0"/>
+              </a:rPr>
+              <a:t>return </a:t>
+            </a:r>
+            <a:r>
+              <a:rPr lang="en-US" dirty="0">
+                <a:solidFill>
+                  <a:srgbClr val="000000"/>
+                </a:solidFill>
+                <a:latin typeface="Consolas" panose="020B0609020204030204" pitchFamily="49" charset="0"/>
+                <a:ea typeface="Times New Roman" panose="02020603050405020304" pitchFamily="18" charset="0"/>
+                <a:cs typeface="Consolas" panose="020B0609020204030204" pitchFamily="49" charset="0"/>
+              </a:rPr>
+              <a:t>f / 32.0 + 0.5;</a:t>
+            </a:r>
+            <a:endParaRPr lang="en-US" dirty="0">
+              <a:solidFill>
+                <a:prstClr val="white"/>
+              </a:solidFill>
+              <a:latin typeface="Consolas" panose="020B0609020204030204" pitchFamily="49" charset="0"/>
+              <a:ea typeface="Calibri" panose="020F0502020204030204" pitchFamily="34" charset="0"/>
+              <a:cs typeface="Consolas" panose="020B0609020204030204" pitchFamily="49" charset="0"/>
+            </a:endParaRPr>
+          </a:p>
+          <a:p>
+            <a:pPr>
+              <a:lnSpc>
+                <a:spcPct val="107000"/>
+              </a:lnSpc>
+              <a:tabLst>
+                <a:tab pos="581660" algn="l"/>
+                <a:tab pos="1163320" algn="l"/>
+                <a:tab pos="1744980" algn="l"/>
+                <a:tab pos="2326640" algn="l"/>
+                <a:tab pos="2908300" algn="l"/>
+                <a:tab pos="3489960" algn="l"/>
+                <a:tab pos="4071620" algn="l"/>
+                <a:tab pos="4653280" algn="l"/>
+                <a:tab pos="5234940" algn="l"/>
+                <a:tab pos="5816600" algn="l"/>
+                <a:tab pos="6398260" algn="l"/>
+                <a:tab pos="6979920" algn="l"/>
+                <a:tab pos="7561580" algn="l"/>
+                <a:tab pos="8143240" algn="l"/>
+                <a:tab pos="8724900" algn="l"/>
+                <a:tab pos="9306560" algn="l"/>
+              </a:tabLst>
+            </a:pPr>
+            <a:r>
+              <a:rPr lang="en-US" dirty="0">
+                <a:solidFill>
+                  <a:srgbClr val="000000"/>
+                </a:solidFill>
+                <a:latin typeface="Consolas" panose="020B0609020204030204" pitchFamily="49" charset="0"/>
+                <a:ea typeface="Times New Roman" panose="02020603050405020304" pitchFamily="18" charset="0"/>
+                <a:cs typeface="Consolas" panose="020B0609020204030204" pitchFamily="49" charset="0"/>
+              </a:rPr>
+              <a:t>}</a:t>
+            </a:r>
+            <a:endParaRPr lang="en-US" dirty="0">
+              <a:solidFill>
+                <a:prstClr val="white"/>
+              </a:solidFill>
+              <a:latin typeface="Consolas" panose="020B0609020204030204" pitchFamily="49" charset="0"/>
+              <a:ea typeface="Calibri" panose="020F0502020204030204" pitchFamily="34" charset="0"/>
+              <a:cs typeface="Consolas" panose="020B0609020204030204" pitchFamily="49" charset="0"/>
+            </a:endParaRPr>
+          </a:p>
+        </p:txBody>
+      </p:sp>
+    </p:spTree>
+    <p:extLst>
+      <p:ext uri="{BB962C8B-B14F-4D97-AF65-F5344CB8AC3E}">
+        <p14:creationId xmlns:p14="http://schemas.microsoft.com/office/powerpoint/2010/main" val="1232558894"/>
+      </p:ext>
+    </p:extLst>
+  </p:cSld>
+  <p:clrMapOvr>
+    <a:masterClrMapping/>
+  </p:clrMapOvr>
+</p:sld>
+</file>
+
 <file path=ppt/slides/slide2.xml><?xml version="1.0" encoding="utf-8"?>
 <p:sld xmlns:a="http://schemas.openxmlformats.org/drawingml/2006/main" xmlns:r="http://schemas.openxmlformats.org/officeDocument/2006/relationships" xmlns:p="http://schemas.openxmlformats.org/presentationml/2006/main">
   <p:cSld>
@@ -3892,6 +7308,13 @@
   <p:clrMapOvr>
     <a:masterClrMapping/>
   </p:clrMapOvr>
+  <p:timing>
+    <p:tnLst>
+      <p:par>
+        <p:cTn id="1" dur="indefinite" restart="never" nodeType="tmRoot"/>
+      </p:par>
+    </p:tnLst>
+  </p:timing>
 </p:sld>
 </file>
 
@@ -4444,6 +7867,13 @@
   <p:clrMapOvr>
     <a:masterClrMapping/>
   </p:clrMapOvr>
+  <p:timing>
+    <p:tnLst>
+      <p:par>
+        <p:cTn id="1" dur="indefinite" restart="never" nodeType="tmRoot"/>
+      </p:par>
+    </p:tnLst>
+  </p:timing>
 </p:sld>
 </file>
 
@@ -4876,6 +8306,13 @@
   <p:clrMapOvr>
     <a:masterClrMapping/>
   </p:clrMapOvr>
+  <p:timing>
+    <p:tnLst>
+      <p:par>
+        <p:cTn id="1" dur="indefinite" restart="never" nodeType="tmRoot"/>
+      </p:par>
+    </p:tnLst>
+  </p:timing>
 </p:sld>
 </file>
 
@@ -5571,6 +9008,13 @@
   <p:clrMapOvr>
     <a:masterClrMapping/>
   </p:clrMapOvr>
+  <p:timing>
+    <p:tnLst>
+      <p:par>
+        <p:cTn id="1" dur="indefinite" restart="never" nodeType="tmRoot"/>
+      </p:par>
+    </p:tnLst>
+  </p:timing>
 </p:sld>
 </file>
 
@@ -6381,7 +9825,146 @@
   <p:clrMapOvr>
     <a:masterClrMapping/>
   </p:clrMapOvr>
+  <p:timing>
+    <p:tnLst>
+      <p:par>
+        <p:cTn id="1" dur="indefinite" restart="never" nodeType="tmRoot"/>
+      </p:par>
+    </p:tnLst>
+  </p:timing>
 </p:sld>
+</file>
+
+<file path=ppt/slides/slide9.xml><?xml version="1.0" encoding="utf-8"?>
+<p:sld xmlns:a="http://schemas.openxmlformats.org/drawingml/2006/main" xmlns:r="http://schemas.openxmlformats.org/officeDocument/2006/relationships" xmlns:p="http://schemas.openxmlformats.org/presentationml/2006/main">
+  <p:cSld>
+    <p:spTree>
+      <p:nvGrpSpPr>
+        <p:cNvPr id="1" name=""/>
+        <p:cNvGrpSpPr/>
+        <p:nvPr/>
+      </p:nvGrpSpPr>
+      <p:grpSpPr>
+        <a:xfrm>
+          <a:off x="0" y="0"/>
+          <a:ext cx="0" cy="0"/>
+          <a:chOff x="0" y="0"/>
+          <a:chExt cx="0" cy="0"/>
+        </a:xfrm>
+      </p:grpSpPr>
+      <p:sp>
+        <p:nvSpPr>
+          <p:cNvPr id="4" name="Title 3"/>
+          <p:cNvSpPr>
+            <a:spLocks noGrp="1"/>
+          </p:cNvSpPr>
+          <p:nvPr>
+            <p:ph type="ctrTitle"/>
+          </p:nvPr>
+        </p:nvSpPr>
+        <p:spPr/>
+        <p:txBody>
+          <a:bodyPr/>
+          <a:lstStyle/>
+          <a:p>
+            <a:r>
+              <a:rPr lang="hu-HU" dirty="0" smtClean="0"/>
+              <a:t>Procedural Normal Mapping</a:t>
+            </a:r>
+            <a:endParaRPr lang="en-US" dirty="0"/>
+          </a:p>
+        </p:txBody>
+      </p:sp>
+      <p:sp>
+        <p:nvSpPr>
+          <p:cNvPr id="5" name="Subtitle 4"/>
+          <p:cNvSpPr>
+            <a:spLocks noGrp="1"/>
+          </p:cNvSpPr>
+          <p:nvPr>
+            <p:ph type="subTitle" idx="1"/>
+          </p:nvPr>
+        </p:nvSpPr>
+        <p:spPr/>
+        <p:txBody>
+          <a:bodyPr/>
+          <a:lstStyle/>
+          <a:p>
+            <a:endParaRPr lang="en-US"/>
+          </a:p>
+        </p:txBody>
+      </p:sp>
+    </p:spTree>
+    <p:extLst>
+      <p:ext uri="{BB962C8B-B14F-4D97-AF65-F5344CB8AC3E}">
+        <p14:creationId xmlns:p14="http://schemas.microsoft.com/office/powerpoint/2010/main" val="254130851"/>
+      </p:ext>
+    </p:extLst>
+  </p:cSld>
+  <p:clrMapOvr>
+    <a:masterClrMapping/>
+  </p:clrMapOvr>
+</p:sld>
+</file>
+
+<file path=ppt/tags/tag1.xml><?xml version="1.0" encoding="utf-8"?>
+<p:tagLst xmlns:a="http://schemas.openxmlformats.org/drawingml/2006/main" xmlns:r="http://schemas.openxmlformats.org/officeDocument/2006/relationships" xmlns:p="http://schemas.openxmlformats.org/presentationml/2006/main">
+  <p:tag name="ORIGINALHEIGHT" val="105.6091"/>
+  <p:tag name="ORIGINALWIDTH" val="372.6323"/>
+  <p:tag name="LATEXADDIN" val="\documentclass{tufte-book}&#10;\usepackage{amsmath}&#10;\usepackage{amssymb}&#10;%\usepackage{urwchancal}&#10;%\usepackage[cal=rsfso,calscaled=.96]{mathalfa}&#10;\usepackage{bm}&#10;\usepackage{accents}&#10;\usepackage{color}&#10;&#10;\definecolor{ppblue}{rgb}{0.0, 0.44, 0.75}&#10;\definecolor{ppgreen}{rgb}{0.0, 0.69, 0.31}&#10;\definecolor{pplightgreen}{rgb}{0.57, 0.82, 0.31}&#10;&#10;\DeclareMathSymbol{\ii}{\mathalpha}{letters}{&quot;10}&#10;\DeclareMathSymbol{\jj}{\mathalpha}{letters}{&quot;11}&#10;&#10;\newcommand{\rvec}[1]{\bm{#1}}&#10;\newcommand{\rmx}[1]{\bm{#1}}&#10;\newcommand{\uvec}[1]{\bm{{\hat{#1}}}}&#10;\newcommand{\cuvec}[1]{\mathbf{{\hat{#1}}}}&#10;%\newcommand{\rgb}[1]{\bm{#1}}&#10;\newcommand{\rgb}[1]{\bm{{\accentset{\color{red}.\color[rgb]{0, 0.5, 0}.\color{blue}.}{#1}}}}&#10;\newcommand{\idx}[1]{\mathrm{#1}}&#10;\pagestyle{empty}&#10;\begin{document}&#10;&#10;$$&#10;f(\rvec{r}) = 0&#10;$$&#10;&#10;\end{document}"/>
+  <p:tag name="IGUANATEXSIZE" val="32"/>
+  <p:tag name="IGUANATEXCURSOR" val="795"/>
+  <p:tag name="TRANSPARENCY" val="True"/>
+  <p:tag name="FILENAME" val=""/>
+  <p:tag name="INPUTTYPE" val="0"/>
+  <p:tag name="LATEXENGINEID" val="1"/>
+  <p:tag name="TEMPFOLDER" val="c:\temp\"/>
+</p:tagLst>
+</file>
+
+<file path=ppt/tags/tag2.xml><?xml version="1.0" encoding="utf-8"?>
+<p:tagLst xmlns:a="http://schemas.openxmlformats.org/drawingml/2006/main" xmlns:r="http://schemas.openxmlformats.org/officeDocument/2006/relationships" xmlns:p="http://schemas.openxmlformats.org/presentationml/2006/main">
+  <p:tag name="ORIGINALHEIGHT" val="103.809"/>
+  <p:tag name="ORIGINALWIDTH" val="164.4142"/>
+  <p:tag name="LATEXADDIN" val="\documentclass{tufte-book}&#10;\usepackage{amsmath}&#10;\usepackage{amssymb}&#10;%\usepackage{urwchancal}&#10;%\usepackage[cal=rsfso,calscaled=.96]{mathalfa}&#10;\usepackage{bm}&#10;\usepackage{accents}&#10;\usepackage{color}&#10;&#10;\definecolor{ppblue}{rgb}{0.0, 0.44, 0.75}&#10;\definecolor{ppgreen}{rgb}{0.0, 0.69, 0.31}&#10;\definecolor{pplightgreen}{rgb}{0.57, 0.82, 0.31}&#10;&#10;\DeclareMathSymbol{\ii}{\mathalpha}{letters}{&quot;10}&#10;\DeclareMathSymbol{\jj}{\mathalpha}{letters}{&quot;11}&#10;&#10;\newcommand{\rvec}[1]{\bm{#1}}&#10;\newcommand{\rmx}[1]{\bm{#1}}&#10;\newcommand{\uvec}[1]{\bm{{\hat{#1}}}}&#10;\newcommand{\cuvec}[1]{\mathbf{{\hat{#1}}}}&#10;%\newcommand{\rgb}[1]{\bm{#1}}&#10;\newcommand{\rgb}[1]{\bm{{\accentset{\color{red}.\color[rgb]{0, 0.5, 0}.\color{blue}.}{#1}}}}&#10;\newcommand{\idx}[1]{\mathrm{#1}}&#10;\pagestyle{empty}&#10;\begin{document}&#10;&#10;$$&#10;\xi(\rvec{r})&#10;$$&#10;&#10;\end{document}"/>
+  <p:tag name="IGUANATEXSIZE" val="32"/>
+  <p:tag name="IGUANATEXCURSOR" val="793"/>
+  <p:tag name="TRANSPARENCY" val="True"/>
+  <p:tag name="FILENAME" val=""/>
+  <p:tag name="INPUTTYPE" val="0"/>
+  <p:tag name="LATEXENGINEID" val="1"/>
+  <p:tag name="TEMPFOLDER" val="c:\temp\"/>
+</p:tagLst>
+</file>
+
+<file path=ppt/tags/tag3.xml><?xml version="1.0" encoding="utf-8"?>
+<p:tagLst xmlns:a="http://schemas.openxmlformats.org/drawingml/2006/main" xmlns:r="http://schemas.openxmlformats.org/officeDocument/2006/relationships" xmlns:p="http://schemas.openxmlformats.org/presentationml/2006/main">
+  <p:tag name="ORIGINALHEIGHT" val="123.0106"/>
+  <p:tag name="ORIGINALWIDTH" val="579.0502"/>
+  <p:tag name="LATEXADDIN" val="\documentclass{tufte-book}&#10;\usepackage{amsmath}&#10;\usepackage{amssymb}&#10;%\usepackage{urwchancal}&#10;%\usepackage[cal=rsfso,calscaled=.96]{mathalfa}&#10;\usepackage{bm}&#10;\usepackage{accents}&#10;\usepackage{color}&#10;&#10;\definecolor{ppblue}{rgb}{0.0, 0.44, 0.75}&#10;\definecolor{ppgreen}{rgb}{0.0, 0.69, 0.31}&#10;\definecolor{pplightgreen}{rgb}{0.57, 0.82, 0.31}&#10;&#10;\DeclareMathSymbol{\ii}{\mathalpha}{letters}{&quot;10}&#10;\DeclareMathSymbol{\jj}{\mathalpha}{letters}{&quot;11}&#10;&#10;\newcommand{\rvec}[1]{\bm{#1}}&#10;\newcommand{\rmx}[1]{\bm{#1}}&#10;\newcommand{\uvec}[1]{\bm{{\hat{#1}}}}&#10;\newcommand{\cuvec}[1]{\mathbf{{\hat{#1}}}}&#10;%\newcommand{\rgb}[1]{\bm{#1}}&#10;\newcommand{\rgb}[1]{\bm{{\accentset{\color{red}.\color[rgb]{0, 0.5, 0}.\color{blue}.}{#1}}}}&#10;\newcommand{\idx}[1]{\mathrm{#1}}&#10;\pagestyle{empty}&#10;\begin{document}&#10;&#10;$$&#10;\uvec{n} = \left[ \nabla f(\rvec{r}) \right]^\wedge&#10;$$&#10;&#10;\end{document}"/>
+  <p:tag name="IGUANATEXSIZE" val="32"/>
+  <p:tag name="IGUANATEXCURSOR" val="824"/>
+  <p:tag name="TRANSPARENCY" val="True"/>
+  <p:tag name="FILENAME" val=""/>
+  <p:tag name="INPUTTYPE" val="0"/>
+  <p:tag name="LATEXENGINEID" val="1"/>
+  <p:tag name="TEMPFOLDER" val="c:\temp\"/>
+</p:tagLst>
+</file>
+
+<file path=ppt/tags/tag4.xml><?xml version="1.0" encoding="utf-8"?>
+<p:tagLst xmlns:a="http://schemas.openxmlformats.org/drawingml/2006/main" xmlns:r="http://schemas.openxmlformats.org/officeDocument/2006/relationships" xmlns:p="http://schemas.openxmlformats.org/presentationml/2006/main">
+  <p:tag name="ORIGINALHEIGHT" val="137.4119"/>
+  <p:tag name="ORIGINALWIDTH" val="2248.395"/>
+  <p:tag name="LATEXADDIN" val="\documentclass{tufte-book}&#10;\usepackage{amsmath}&#10;\usepackage{amssymb}&#10;%\usepackage{urwchancal}&#10;%\usepackage[cal=rsfso,calscaled=.96]{mathalfa}&#10;\usepackage{bm}&#10;\usepackage{accents}&#10;\usepackage{color}&#10;&#10;\definecolor{ppblue}{rgb}{0.0, 0.44, 0.75}&#10;\definecolor{ppgreen}{rgb}{0.0, 0.69, 0.31}&#10;\definecolor{pplightgreen}{rgb}{0.57, 0.82, 0.31}&#10;&#10;\DeclareMathSymbol{\ii}{\mathalpha}{letters}{&quot;10}&#10;\DeclareMathSymbol{\jj}{\mathalpha}{letters}{&quot;11}&#10;&#10;\newcommand{\rvec}[1]{\bm{#1}}&#10;\newcommand{\rmx}[1]{\bm{#1}}&#10;\newcommand{\uvec}[1]{\bm{{\hat{#1}}}}&#10;\newcommand{\cuvec}[1]{\mathbf{{\hat{#1}}}}&#10;%\newcommand{\rgb}[1]{\bm{#1}}&#10;\newcommand{\rgb}[1]{\bm{{\accentset{\color{red}.\color[rgb]{0, 0.5, 0}.\color{blue}.}{#1}}}}&#10;\newcommand{\idx}[1]{\mathrm{#1}}&#10;\pagestyle{empty}&#10;\begin{document}&#10;&#10;$$&#10;\uvec{n}_\idx{perturbed} = \left[ \nabla \left( f(\rvec{r}) + \xi(\rvec{r}) \right) \right]^\wedge&#10;= \left[ \nabla f(\rvec{r}) + \nabla \xi(\rvec{r}) \right]^\wedge&#10;$$&#10;&#10;\end{document}"/>
+  <p:tag name="IGUANATEXSIZE" val="32"/>
+  <p:tag name="IGUANATEXCURSOR" val="944"/>
+  <p:tag name="TRANSPARENCY" val="True"/>
+  <p:tag name="FILENAME" val=""/>
+  <p:tag name="INPUTTYPE" val="0"/>
+  <p:tag name="LATEXENGINEID" val="1"/>
+  <p:tag name="TEMPFOLDER" val="c:\temp\"/>
+</p:tagLst>
 </file>
 
 <file path=ppt/theme/theme1.xml><?xml version="1.0" encoding="utf-8"?>
